--- a/개발 5팀 6차 미니 프로젝트/3) KOSMO_77기_개발 5팀_Unit_Test_보고서.pptx
+++ b/개발 5팀 6차 미니 프로젝트/3) KOSMO_77기_개발 5팀_Unit_Test_보고서.pptx
@@ -1,32 +1,40 @@
 
 <file path=ppt/presentation.xml><?xml version="1.0" encoding="utf-8"?>
-<p:presentation xmlns:a="http://schemas.openxmlformats.org/drawingml/2006/main" xmlns:r="http://schemas.openxmlformats.org/officeDocument/2006/relationships" xmlns:p="http://schemas.openxmlformats.org/presentationml/2006/main" saveSubsetFonts="1">
+<p:presentation xmlns:r="http://schemas.openxmlformats.org/officeDocument/2006/relationships" xmlns:c="http://schemas.openxmlformats.org/drawingml/2006/chart" xmlns:a="http://schemas.openxmlformats.org/drawingml/2006/main" xmlns:dgm="http://schemas.openxmlformats.org/drawingml/2006/diagram" xmlns:dsp="http://schemas.microsoft.com/office/drawing/2008/diagram" xmlns:p="http://schemas.openxmlformats.org/presentationml/2006/main" saveSubsetFonts="1">
   <p:sldMasterIdLst>
-    <p:sldMasterId id="2147483648" r:id="rId1"/>
+    <p:sldMasterId id="2147483660" r:id="rId1"/>
   </p:sldMasterIdLst>
+  <p:notesMasterIdLst>
+    <p:notesMasterId r:id="rId2"/>
+  </p:notesMasterIdLst>
   <p:sldIdLst>
-    <p:sldId id="256" r:id="rId2"/>
-    <p:sldId id="275" r:id="rId3"/>
-    <p:sldId id="276" r:id="rId4"/>
-    <p:sldId id="277" r:id="rId5"/>
-    <p:sldId id="274" r:id="rId6"/>
-    <p:sldId id="257" r:id="rId7"/>
-    <p:sldId id="258" r:id="rId8"/>
-    <p:sldId id="268" r:id="rId9"/>
-    <p:sldId id="270" r:id="rId10"/>
-    <p:sldId id="273" r:id="rId11"/>
-    <p:sldId id="259" r:id="rId12"/>
-    <p:sldId id="260" r:id="rId13"/>
-    <p:sldId id="269" r:id="rId14"/>
-    <p:sldId id="271" r:id="rId15"/>
-    <p:sldId id="272" r:id="rId16"/>
-    <p:sldId id="261" r:id="rId17"/>
-    <p:sldId id="262" r:id="rId18"/>
-    <p:sldId id="263" r:id="rId19"/>
-    <p:sldId id="264" r:id="rId20"/>
-    <p:sldId id="265" r:id="rId21"/>
-    <p:sldId id="266" r:id="rId22"/>
-    <p:sldId id="267" r:id="rId23"/>
+    <p:sldId id="256" r:id="rId3"/>
+    <p:sldId id="257" r:id="rId4"/>
+    <p:sldId id="258" r:id="rId5"/>
+    <p:sldId id="259" r:id="rId6"/>
+    <p:sldId id="260" r:id="rId7"/>
+    <p:sldId id="261" r:id="rId8"/>
+    <p:sldId id="262" r:id="rId9"/>
+    <p:sldId id="263" r:id="rId10"/>
+    <p:sldId id="264" r:id="rId11"/>
+    <p:sldId id="265" r:id="rId12"/>
+    <p:sldId id="266" r:id="rId13"/>
+    <p:sldId id="267" r:id="rId14"/>
+    <p:sldId id="268" r:id="rId15"/>
+    <p:sldId id="269" r:id="rId16"/>
+    <p:sldId id="270" r:id="rId17"/>
+    <p:sldId id="271" r:id="rId18"/>
+    <p:sldId id="272" r:id="rId19"/>
+    <p:sldId id="273" r:id="rId20"/>
+    <p:sldId id="274" r:id="rId21"/>
+    <p:sldId id="275" r:id="rId22"/>
+    <p:sldId id="276" r:id="rId23"/>
+    <p:sldId id="277" r:id="rId24"/>
+    <p:sldId id="278" r:id="rId25"/>
+    <p:sldId id="279" r:id="rId26"/>
+    <p:sldId id="280" r:id="rId27"/>
+    <p:sldId id="281" r:id="rId28"/>
+    <p:sldId id="282" r:id="rId29"/>
   </p:sldIdLst>
   <p:sldSz cx="9144000" cy="6858000" type="screen4x3"/>
   <p:notesSz cx="6858000" cy="9144000"/>
@@ -125,23 +133,500 @@
       </a:defRPr>
     </a:lvl9pPr>
   </p:defaultTextStyle>
-  <p:extLst>
-    <p:ext uri="{EFAFB233-063F-42B5-8137-9DF3F51BA10A}">
-      <p15:sldGuideLst xmlns:p15="http://schemas.microsoft.com/office/powerpoint/2012/main">
-        <p15:guide id="1" orient="horz" pos="2160">
-          <p15:clr>
-            <a:srgbClr val="A4A3A4"/>
-          </p15:clr>
-        </p15:guide>
-        <p15:guide id="2" pos="2880">
-          <p15:clr>
-            <a:srgbClr val="A4A3A4"/>
-          </p15:clr>
-        </p15:guide>
-      </p15:sldGuideLst>
-    </p:ext>
-  </p:extLst>
 </p:presentation>
+</file>
+
+<file path=ppt/notesMasters/notesMaster1.xml><?xml version="1.0" encoding="utf-8"?>
+<p:notesMaster xmlns:r="http://schemas.openxmlformats.org/officeDocument/2006/relationships" xmlns:c="http://schemas.openxmlformats.org/drawingml/2006/chart" xmlns:a="http://schemas.openxmlformats.org/drawingml/2006/main" xmlns:dgm="http://schemas.openxmlformats.org/drawingml/2006/diagram" xmlns:dsp="http://schemas.microsoft.com/office/drawing/2008/diagram" xmlns:p="http://schemas.openxmlformats.org/presentationml/2006/main">
+  <p:cSld>
+    <p:bg>
+      <p:bgRef idx="1001">
+        <a:schemeClr val="bg1"/>
+      </p:bgRef>
+    </p:bg>
+    <p:spTree>
+      <p:nvGrpSpPr>
+        <p:cNvPr id="1" name=""/>
+        <p:cNvGrpSpPr/>
+        <p:nvPr/>
+      </p:nvGrpSpPr>
+      <p:grpSpPr>
+        <a:xfrm>
+          <a:off x="0" y="0"/>
+          <a:ext cx="0" cy="0"/>
+          <a:chOff x="0" y="0"/>
+          <a:chExt cx="0" cy="0"/>
+        </a:xfrm>
+      </p:grpSpPr>
+      <p:sp>
+        <p:nvSpPr>
+          <p:cNvPr id="2" name="머리글 개체 틀 1"/>
+          <p:cNvSpPr>
+            <a:spLocks noGrp="1"/>
+          </p:cNvSpPr>
+          <p:nvPr>
+            <p:ph type="hdr" sz="quarter" idx="0"/>
+          </p:nvPr>
+        </p:nvSpPr>
+        <p:spPr>
+          <a:xfrm>
+            <a:off x="0" y="0"/>
+            <a:ext cx="2971800" cy="457200"/>
+          </a:xfrm>
+          <a:prstGeom prst="rect">
+            <a:avLst/>
+          </a:prstGeom>
+        </p:spPr>
+        <p:txBody>
+          <a:bodyPr vert="horz" lIns="91440" tIns="45720" rIns="91440" bIns="45720"/>
+          <a:lstStyle>
+            <a:lvl1pPr algn="l">
+              <a:defRPr sz="1200"/>
+            </a:lvl1pPr>
+          </a:lstStyle>
+          <a:p>
+            <a:pPr lvl="0">
+              <a:defRPr/>
+            </a:pPr>
+            <a:r>
+              <a:rPr lang="ko-KR" altLang="en-US"/>
+              <a:t/>
+            </a:r>
+            <a:endParaRPr lang="ko-KR" altLang="en-US"/>
+          </a:p>
+        </p:txBody>
+      </p:sp>
+      <p:sp>
+        <p:nvSpPr>
+          <p:cNvPr id="3" name="날짜 개체 틀 2"/>
+          <p:cNvSpPr>
+            <a:spLocks noGrp="1"/>
+          </p:cNvSpPr>
+          <p:nvPr>
+            <p:ph type="dt" idx="1"/>
+          </p:nvPr>
+        </p:nvSpPr>
+        <p:spPr>
+          <a:xfrm>
+            <a:off x="3884613" y="0"/>
+            <a:ext cx="2971800" cy="457200"/>
+          </a:xfrm>
+          <a:prstGeom prst="rect">
+            <a:avLst/>
+          </a:prstGeom>
+        </p:spPr>
+        <p:txBody>
+          <a:bodyPr vert="horz" lIns="91440" tIns="45720" rIns="91440" bIns="45720"/>
+          <a:lstStyle>
+            <a:lvl1pPr algn="r">
+              <a:defRPr sz="1200"/>
+            </a:lvl1pPr>
+          </a:lstStyle>
+          <a:p>
+            <a:pPr lvl="0">
+              <a:defRPr/>
+            </a:pPr>
+            <a:fld id="{E2B2BC9D-A816-4D0A-858B-1D023B3A8ACA}" type="datetime1">
+              <a:rPr lang="ko-KR" altLang="en-US"/>
+              <a:pPr lvl="0">
+                <a:defRPr/>
+              </a:pPr>
+              <a:t>2021-05-11</a:t>
+            </a:fld>
+            <a:endParaRPr lang="ko-KR" altLang="en-US"/>
+          </a:p>
+        </p:txBody>
+      </p:sp>
+      <p:sp>
+        <p:nvSpPr>
+          <p:cNvPr id="4" name="슬라이드 이미지 개체 틀 3"/>
+          <p:cNvSpPr>
+            <a:spLocks noGrp="1" noRot="1" noChangeAspect="1" noTextEdit="1"/>
+          </p:cNvSpPr>
+          <p:nvPr>
+            <p:ph type="sldImg" idx="2"/>
+          </p:nvPr>
+        </p:nvSpPr>
+        <p:spPr>
+          <a:xfrm>
+            <a:off x="1143000" y="685800"/>
+            <a:ext cx="4572000" cy="3429000"/>
+          </a:xfrm>
+          <a:prstGeom prst="rect">
+            <a:avLst/>
+          </a:prstGeom>
+          <a:noFill/>
+          <a:ln w="12700">
+            <a:solidFill>
+              <a:prstClr val="black"/>
+            </a:solidFill>
+          </a:ln>
+        </p:spPr>
+        <p:txBody>
+          <a:bodyPr vert="horz" lIns="91440" tIns="45720" rIns="91440" bIns="45720" anchor="ctr"/>
+          <a:lstStyle/>
+          <a:p>
+            <a:pPr lvl="0">
+              <a:defRPr/>
+            </a:pPr>
+            <a:endParaRPr lang="ko-KR" altLang="en-US"/>
+          </a:p>
+        </p:txBody>
+      </p:sp>
+      <p:sp>
+        <p:nvSpPr>
+          <p:cNvPr id="5" name="슬라이드 노트 개체 틀 4"/>
+          <p:cNvSpPr>
+            <a:spLocks noGrp="1"/>
+          </p:cNvSpPr>
+          <p:nvPr>
+            <p:ph type="body" sz="quarter" idx="3"/>
+          </p:nvPr>
+        </p:nvSpPr>
+        <p:spPr>
+          <a:xfrm>
+            <a:off x="685800" y="4343400"/>
+            <a:ext cx="5486400" cy="4114800"/>
+          </a:xfrm>
+          <a:prstGeom prst="rect">
+            <a:avLst/>
+          </a:prstGeom>
+        </p:spPr>
+        <p:txBody>
+          <a:bodyPr vert="horz" lIns="91440" tIns="45720" rIns="91440" bIns="45720">
+            <a:noAutofit/>
+          </a:bodyPr>
+          <a:lstStyle/>
+          <a:p>
+            <a:pPr lvl="0">
+              <a:defRPr/>
+            </a:pPr>
+            <a:r>
+              <a:rPr lang="ko-KR" altLang="en-US"/>
+              <a:t>마스터 텍스트 스타일을 편집합니다</a:t>
+            </a:r>
+            <a:endParaRPr lang="ko-KR" altLang="en-US"/>
+          </a:p>
+          <a:p>
+            <a:pPr lvl="1">
+              <a:defRPr/>
+            </a:pPr>
+            <a:r>
+              <a:rPr lang="ko-KR" altLang="en-US"/>
+              <a:t>둘째 수준</a:t>
+            </a:r>
+            <a:endParaRPr lang="ko-KR" altLang="en-US"/>
+          </a:p>
+          <a:p>
+            <a:pPr lvl="2">
+              <a:defRPr/>
+            </a:pPr>
+            <a:r>
+              <a:rPr lang="ko-KR" altLang="en-US"/>
+              <a:t>셋째 수준</a:t>
+            </a:r>
+            <a:endParaRPr lang="ko-KR" altLang="en-US"/>
+          </a:p>
+          <a:p>
+            <a:pPr lvl="3">
+              <a:defRPr/>
+            </a:pPr>
+            <a:r>
+              <a:rPr lang="ko-KR" altLang="en-US"/>
+              <a:t>넷째 수준</a:t>
+            </a:r>
+            <a:endParaRPr lang="ko-KR" altLang="en-US"/>
+          </a:p>
+          <a:p>
+            <a:pPr lvl="4">
+              <a:defRPr/>
+            </a:pPr>
+            <a:r>
+              <a:rPr lang="ko-KR" altLang="en-US"/>
+              <a:t>다섯째 수준</a:t>
+            </a:r>
+            <a:endParaRPr lang="ko-KR" altLang="en-US"/>
+          </a:p>
+        </p:txBody>
+      </p:sp>
+      <p:sp>
+        <p:nvSpPr>
+          <p:cNvPr id="6" name="바닥글 개체 틀 5"/>
+          <p:cNvSpPr>
+            <a:spLocks noGrp="1"/>
+          </p:cNvSpPr>
+          <p:nvPr>
+            <p:ph type="ftr" sz="quarter" idx="4"/>
+          </p:nvPr>
+        </p:nvSpPr>
+        <p:spPr>
+          <a:xfrm>
+            <a:off x="0" y="8685213"/>
+            <a:ext cx="2971800" cy="457200"/>
+          </a:xfrm>
+          <a:prstGeom prst="rect">
+            <a:avLst/>
+          </a:prstGeom>
+        </p:spPr>
+        <p:txBody>
+          <a:bodyPr vert="horz" lIns="91440" tIns="45720" rIns="91440" bIns="45720" anchor="b"/>
+          <a:lstStyle>
+            <a:lvl1pPr algn="l">
+              <a:defRPr sz="1200"/>
+            </a:lvl1pPr>
+          </a:lstStyle>
+          <a:p>
+            <a:pPr lvl="0">
+              <a:defRPr/>
+            </a:pPr>
+            <a:r>
+              <a:rPr lang="ko-KR" altLang="en-US"/>
+              <a:t/>
+            </a:r>
+            <a:endParaRPr lang="ko-KR" altLang="en-US"/>
+          </a:p>
+        </p:txBody>
+      </p:sp>
+      <p:sp>
+        <p:nvSpPr>
+          <p:cNvPr id="7" name="슬라이드 번호 개체 틀 6"/>
+          <p:cNvSpPr>
+            <a:spLocks noGrp="1"/>
+          </p:cNvSpPr>
+          <p:nvPr>
+            <p:ph type="sldNum" sz="quarter" idx="5"/>
+          </p:nvPr>
+        </p:nvSpPr>
+        <p:spPr>
+          <a:xfrm>
+            <a:off x="3884613" y="8685213"/>
+            <a:ext cx="2971800" cy="457200"/>
+          </a:xfrm>
+          <a:prstGeom prst="rect">
+            <a:avLst/>
+          </a:prstGeom>
+        </p:spPr>
+        <p:txBody>
+          <a:bodyPr vert="horz" lIns="91440" tIns="45720" rIns="91440" bIns="45720" anchor="b"/>
+          <a:lstStyle>
+            <a:lvl1pPr algn="r">
+              <a:defRPr sz="1200"/>
+            </a:lvl1pPr>
+          </a:lstStyle>
+          <a:p>
+            <a:pPr lvl="0">
+              <a:defRPr/>
+            </a:pPr>
+            <a:fld id="{09F4262C-968C-4EE9-8164-CE16364706B3}" type="slidenum">
+              <a:rPr lang="ko-KR" altLang="en-US"/>
+              <a:pPr lvl="0">
+                <a:defRPr/>
+              </a:pPr>
+              <a:t>‹#›</a:t>
+            </a:fld>
+            <a:endParaRPr lang="ko-KR" altLang="en-US"/>
+          </a:p>
+        </p:txBody>
+      </p:sp>
+    </p:spTree>
+  </p:cSld>
+  <p:clrMap bg1="lt1" tx1="dk1" bg2="lt2" tx2="dk2" accent1="accent1" accent2="accent2" accent3="accent3" accent4="accent4" accent5="accent5" accent6="accent6" hlink="hlink" folHlink="folHlink"/>
+  <p:hf hdr="0" ftr="0" dt="0"/>
+  <p:notesStyle>
+    <a:lvl1pPr marL="0" algn="l" defTabSz="914400" rtl="0" eaLnBrk="1" latinLnBrk="1" hangingPunct="1">
+      <a:defRPr sz="1200" kern="1200">
+        <a:solidFill>
+          <a:schemeClr val="tx1"/>
+        </a:solidFill>
+        <a:latin typeface="+mj-lt"/>
+        <a:ea typeface="+mj-ea"/>
+        <a:cs typeface="+mj-cs"/>
+      </a:defRPr>
+    </a:lvl1pPr>
+    <a:lvl2pPr marL="457200" algn="l" defTabSz="914400" rtl="0" eaLnBrk="1" latinLnBrk="1" hangingPunct="1">
+      <a:defRPr sz="1200" kern="1200">
+        <a:solidFill>
+          <a:schemeClr val="tx1"/>
+        </a:solidFill>
+        <a:latin typeface="+mj-lt"/>
+        <a:ea typeface="+mj-ea"/>
+        <a:cs typeface="+mj-cs"/>
+      </a:defRPr>
+    </a:lvl2pPr>
+    <a:lvl3pPr marL="914400" algn="l" defTabSz="914400" rtl="0" eaLnBrk="1" latinLnBrk="1" hangingPunct="1">
+      <a:defRPr sz="1200" kern="1200">
+        <a:solidFill>
+          <a:schemeClr val="tx1"/>
+        </a:solidFill>
+        <a:latin typeface="+mj-lt"/>
+        <a:ea typeface="+mj-ea"/>
+        <a:cs typeface="+mj-cs"/>
+      </a:defRPr>
+    </a:lvl3pPr>
+    <a:lvl4pPr marL="1371600" algn="l" defTabSz="914400" rtl="0" eaLnBrk="1" latinLnBrk="1" hangingPunct="1">
+      <a:defRPr sz="1200" kern="1200">
+        <a:solidFill>
+          <a:schemeClr val="tx1"/>
+        </a:solidFill>
+        <a:latin typeface="+mj-lt"/>
+        <a:ea typeface="+mj-ea"/>
+        <a:cs typeface="+mj-cs"/>
+      </a:defRPr>
+    </a:lvl4pPr>
+    <a:lvl5pPr marL="1828800" algn="l" defTabSz="914400" rtl="0" eaLnBrk="1" latinLnBrk="1" hangingPunct="1">
+      <a:defRPr sz="1200" kern="1200">
+        <a:solidFill>
+          <a:schemeClr val="tx1"/>
+        </a:solidFill>
+        <a:latin typeface="+mj-lt"/>
+        <a:ea typeface="+mj-ea"/>
+        <a:cs typeface="+mj-cs"/>
+      </a:defRPr>
+    </a:lvl5pPr>
+    <a:lvl6pPr marL="2286000" algn="l" defTabSz="914400" rtl="0" eaLnBrk="1" latinLnBrk="1" hangingPunct="1">
+      <a:defRPr sz="1200" kern="1200">
+        <a:solidFill>
+          <a:schemeClr val="tx1"/>
+        </a:solidFill>
+        <a:latin typeface="+mj-lt"/>
+        <a:ea typeface="+mj-ea"/>
+        <a:cs typeface="+mj-cs"/>
+      </a:defRPr>
+    </a:lvl6pPr>
+    <a:lvl7pPr marL="2743200" algn="l" defTabSz="914400" rtl="0" eaLnBrk="1" latinLnBrk="1" hangingPunct="1">
+      <a:defRPr sz="1200" kern="1200">
+        <a:solidFill>
+          <a:schemeClr val="tx1"/>
+        </a:solidFill>
+        <a:latin typeface="+mj-lt"/>
+        <a:ea typeface="+mj-ea"/>
+        <a:cs typeface="+mj-cs"/>
+      </a:defRPr>
+    </a:lvl7pPr>
+    <a:lvl8pPr marL="3200400" algn="l" defTabSz="914400" rtl="0" eaLnBrk="1" latinLnBrk="1" hangingPunct="1">
+      <a:defRPr sz="1200" kern="1200">
+        <a:solidFill>
+          <a:schemeClr val="tx1"/>
+        </a:solidFill>
+        <a:latin typeface="+mj-lt"/>
+        <a:ea typeface="+mj-ea"/>
+        <a:cs typeface="+mj-cs"/>
+      </a:defRPr>
+    </a:lvl8pPr>
+    <a:lvl9pPr marL="3657600" algn="l" defTabSz="914400" rtl="0" eaLnBrk="1" latinLnBrk="1" hangingPunct="1">
+      <a:defRPr sz="1200" kern="1200">
+        <a:solidFill>
+          <a:schemeClr val="tx1"/>
+        </a:solidFill>
+        <a:latin typeface="+mj-lt"/>
+        <a:ea typeface="+mj-ea"/>
+        <a:cs typeface="+mj-cs"/>
+      </a:defRPr>
+    </a:lvl9pPr>
+  </p:notesStyle>
+</p:notesMaster>
+</file>
+
+<file path=ppt/notesSlides/notesSlide1.xml><?xml version="1.0" encoding="utf-8"?>
+<p:notes xmlns:r="http://schemas.openxmlformats.org/officeDocument/2006/relationships" xmlns:c="http://schemas.openxmlformats.org/drawingml/2006/chart" xmlns:a="http://schemas.openxmlformats.org/drawingml/2006/main" xmlns:dgm="http://schemas.openxmlformats.org/drawingml/2006/diagram" xmlns:dsp="http://schemas.microsoft.com/office/drawing/2008/diagram" xmlns:p="http://schemas.openxmlformats.org/presentationml/2006/main">
+  <p:cSld>
+    <p:spTree>
+      <p:nvGrpSpPr>
+        <p:cNvPr id="1" name=""/>
+        <p:cNvGrpSpPr/>
+        <p:nvPr/>
+      </p:nvGrpSpPr>
+      <p:grpSpPr>
+        <a:xfrm>
+          <a:off x="0" y="0"/>
+          <a:ext cx="0" cy="0"/>
+          <a:chOff x="0" y="0"/>
+          <a:chExt cx="0" cy="0"/>
+        </a:xfrm>
+      </p:grpSpPr>
+      <p:sp>
+        <p:nvSpPr>
+          <p:cNvPr id="2" name="슬라이드 이미지 개체 틀 3"/>
+          <p:cNvSpPr>
+            <a:spLocks noGrp="1" noRot="1" noChangeAspect="1" noTextEdit="1"/>
+          </p:cNvSpPr>
+          <p:nvPr>
+            <p:ph type="sldImg" idx="2"/>
+          </p:nvPr>
+        </p:nvSpPr>
+        <p:spPr/>
+        <p:txBody>
+          <a:bodyPr/>
+          <a:lstStyle/>
+          <a:p>
+            <a:pPr>
+              <a:defRPr/>
+            </a:pPr>
+            <a:endParaRPr lang="ko-KR" altLang="en-US"/>
+          </a:p>
+        </p:txBody>
+      </p:sp>
+      <p:sp>
+        <p:nvSpPr>
+          <p:cNvPr id="3" name="슬라이드 노트 개체 틀 4"/>
+          <p:cNvSpPr>
+            <a:spLocks noGrp="1"/>
+          </p:cNvSpPr>
+          <p:nvPr>
+            <p:ph type="body" sz="quarter" idx="3"/>
+          </p:nvPr>
+        </p:nvSpPr>
+        <p:spPr/>
+        <p:txBody>
+          <a:bodyPr/>
+          <a:lstStyle/>
+          <a:p>
+            <a:pPr>
+              <a:defRPr/>
+            </a:pPr>
+            <a:r>
+              <a:rPr lang="ko-KR" altLang="en-US"/>
+              <a:t/>
+            </a:r>
+            <a:endParaRPr lang="ko-KR" altLang="en-US"/>
+          </a:p>
+        </p:txBody>
+      </p:sp>
+      <p:sp>
+        <p:nvSpPr>
+          <p:cNvPr id="4" name="슬라이드 번호 개체 틀 6"/>
+          <p:cNvSpPr>
+            <a:spLocks noGrp="1"/>
+          </p:cNvSpPr>
+          <p:nvPr>
+            <p:ph type="sldNum" sz="quarter" idx="5"/>
+          </p:nvPr>
+        </p:nvSpPr>
+        <p:spPr/>
+        <p:txBody>
+          <a:bodyPr/>
+          <a:lstStyle/>
+          <a:p>
+            <a:pPr lvl="0">
+              <a:defRPr/>
+            </a:pPr>
+            <a:fld id="{09F4262C-968C-4EE9-8164-CE16364706B3}" type="slidenum">
+              <a:rPr lang="en-US" altLang="en-US"/>
+              <a:pPr lvl="0">
+                <a:defRPr/>
+              </a:pPr>
+              <a:t>23</a:t>
+            </a:fld>
+            <a:endParaRPr lang="en-US" altLang="en-US"/>
+          </a:p>
+        </p:txBody>
+      </p:sp>
+    </p:spTree>
+  </p:cSld>
+  <p:clrMapOvr>
+    <a:masterClrMapping/>
+  </p:clrMapOvr>
+</p:notes>
 </file>
 
 <file path=ppt/slideLayouts/slideLayout1.xml><?xml version="1.0" encoding="utf-8"?>
@@ -11594,6 +12079,3320 @@
 </p:sld>
 </file>
 
+<file path=ppt/slides/slide23.xml><?xml version="1.0" encoding="utf-8"?>
+<p:sld xmlns:r="http://schemas.openxmlformats.org/officeDocument/2006/relationships" xmlns:c="http://schemas.openxmlformats.org/drawingml/2006/chart" xmlns:a="http://schemas.openxmlformats.org/drawingml/2006/main" xmlns:dgm="http://schemas.openxmlformats.org/drawingml/2006/diagram" xmlns:dsp="http://schemas.microsoft.com/office/drawing/2008/diagram" xmlns:p="http://schemas.openxmlformats.org/presentationml/2006/main">
+  <p:cSld>
+    <p:spTree>
+      <p:nvGrpSpPr>
+        <p:cNvPr id="1" name=""/>
+        <p:cNvGrpSpPr/>
+        <p:nvPr/>
+      </p:nvGrpSpPr>
+      <p:grpSpPr>
+        <a:xfrm>
+          <a:off x="0" y="0"/>
+          <a:ext cx="0" cy="0"/>
+          <a:chOff x="0" y="0"/>
+          <a:chExt cx="0" cy="0"/>
+        </a:xfrm>
+      </p:grpSpPr>
+      <p:sp>
+        <p:nvSpPr>
+          <p:cNvPr id="4" name="직사각형 3"/>
+          <p:cNvSpPr/>
+          <p:nvPr/>
+        </p:nvSpPr>
+        <p:spPr>
+          <a:xfrm>
+            <a:off x="35496" y="44624"/>
+            <a:ext cx="3312368" cy="504056"/>
+          </a:xfrm>
+          <a:prstGeom prst="rect">
+            <a:avLst/>
+          </a:prstGeom>
+          <a:noFill/>
+        </p:spPr>
+        <p:style>
+          <a:lnRef idx="2">
+            <a:schemeClr val="accent1">
+              <a:shade val="50000"/>
+            </a:schemeClr>
+          </a:lnRef>
+          <a:fillRef idx="1">
+            <a:schemeClr val="accent1"/>
+          </a:fillRef>
+          <a:effectRef idx="0">
+            <a:schemeClr val="accent1"/>
+          </a:effectRef>
+          <a:fontRef idx="minor">
+            <a:schemeClr val="lt1"/>
+          </a:fontRef>
+        </p:style>
+        <p:txBody>
+          <a:bodyPr anchor="b"/>
+          <a:lstStyle/>
+          <a:p>
+            <a:pPr algn="ctr">
+              <a:lnSpc>
+                <a:spcPct val="150000"/>
+              </a:lnSpc>
+              <a:defRPr/>
+            </a:pPr>
+            <a:r>
+              <a:rPr lang="ko-KR" altLang="en-US" sz="2000" b="1">
+                <a:solidFill>
+                  <a:schemeClr val="tx1"/>
+                </a:solidFill>
+              </a:rPr>
+              <a:t>주요 소스 </a:t>
+            </a:r>
+            <a:r>
+              <a:rPr lang="en-US" altLang="ko-KR" sz="2000" b="1">
+                <a:solidFill>
+                  <a:schemeClr val="tx1"/>
+                </a:solidFill>
+              </a:rPr>
+              <a:t>[Code Review]</a:t>
+            </a:r>
+            <a:endParaRPr lang="ko-KR" altLang="en-US" sz="2000" b="1">
+              <a:solidFill>
+                <a:schemeClr val="tx1"/>
+              </a:solidFill>
+            </a:endParaRPr>
+          </a:p>
+        </p:txBody>
+      </p:sp>
+      <p:sp>
+        <p:nvSpPr>
+          <p:cNvPr id="5" name="직사각형 4"/>
+          <p:cNvSpPr/>
+          <p:nvPr/>
+        </p:nvSpPr>
+        <p:spPr>
+          <a:xfrm>
+            <a:off x="35496" y="620688"/>
+            <a:ext cx="3312368" cy="432048"/>
+          </a:xfrm>
+          <a:prstGeom prst="rect">
+            <a:avLst/>
+          </a:prstGeom>
+          <a:noFill/>
+        </p:spPr>
+        <p:style>
+          <a:lnRef idx="2">
+            <a:schemeClr val="accent1">
+              <a:shade val="50000"/>
+            </a:schemeClr>
+          </a:lnRef>
+          <a:fillRef idx="1">
+            <a:schemeClr val="accent1"/>
+          </a:fillRef>
+          <a:effectRef idx="0">
+            <a:schemeClr val="accent1"/>
+          </a:effectRef>
+          <a:fontRef idx="minor">
+            <a:schemeClr val="lt1"/>
+          </a:fontRef>
+        </p:style>
+        <p:txBody>
+          <a:bodyPr anchor="b"/>
+          <a:lstStyle/>
+          <a:p>
+            <a:pPr algn="ctr">
+              <a:lnSpc>
+                <a:spcPct val="150000"/>
+              </a:lnSpc>
+              <a:defRPr/>
+            </a:pPr>
+            <a:r>
+              <a:rPr lang="en-US" altLang="ko-KR" sz="2000" b="1">
+                <a:solidFill>
+                  <a:schemeClr val="tx1"/>
+                </a:solidFill>
+              </a:rPr>
+              <a:t>Login.js</a:t>
+            </a:r>
+            <a:endParaRPr lang="en-US" altLang="ko-KR" sz="2000" b="1">
+              <a:solidFill>
+                <a:schemeClr val="tx1"/>
+              </a:solidFill>
+            </a:endParaRPr>
+          </a:p>
+        </p:txBody>
+      </p:sp>
+      <p:cxnSp>
+        <p:nvCxnSpPr>
+          <p:cNvPr id="7" name="직선 연결선 6"/>
+          <p:cNvCxnSpPr/>
+          <p:nvPr/>
+        </p:nvCxnSpPr>
+        <p:spPr>
+          <a:xfrm>
+            <a:off x="3491880" y="1052736"/>
+            <a:ext cx="5544616" cy="0"/>
+          </a:xfrm>
+          <a:prstGeom prst="line">
+            <a:avLst/>
+          </a:prstGeom>
+          <a:ln w="28575"/>
+        </p:spPr>
+        <p:style>
+          <a:lnRef idx="1">
+            <a:schemeClr val="accent1"/>
+          </a:lnRef>
+          <a:fillRef idx="0">
+            <a:schemeClr val="accent1"/>
+          </a:fillRef>
+          <a:effectRef idx="0">
+            <a:schemeClr val="accent1"/>
+          </a:effectRef>
+          <a:fontRef idx="minor">
+            <a:schemeClr val="tx1"/>
+          </a:fontRef>
+        </p:style>
+      </p:cxnSp>
+      <p:sp>
+        <p:nvSpPr>
+          <p:cNvPr id="8" name="TextBox 7"/>
+          <p:cNvSpPr txBox="1"/>
+          <p:nvPr/>
+        </p:nvSpPr>
+        <p:spPr>
+          <a:xfrm>
+            <a:off x="3491880" y="620688"/>
+            <a:ext cx="2314560" cy="358482"/>
+          </a:xfrm>
+          <a:prstGeom prst="rect">
+            <a:avLst/>
+          </a:prstGeom>
+          <a:noFill/>
+        </p:spPr>
+        <p:txBody>
+          <a:bodyPr wrap="none">
+            <a:spAutoFit/>
+          </a:bodyPr>
+          <a:lstStyle/>
+          <a:p>
+            <a:pPr lvl="0">
+              <a:defRPr/>
+            </a:pPr>
+            <a:r>
+              <a:rPr lang="en-US" altLang="ko-KR"/>
+              <a:t>react,</a:t>
+            </a:r>
+            <a:r>
+              <a:rPr lang="ko-KR" altLang="en-US"/>
+              <a:t> </a:t>
+            </a:r>
+            <a:r>
+              <a:rPr lang="en-US" altLang="ko-KR"/>
+              <a:t>node.js,</a:t>
+            </a:r>
+            <a:r>
+              <a:rPr lang="ko-KR" altLang="en-US"/>
+              <a:t> </a:t>
+            </a:r>
+            <a:r>
+              <a:rPr lang="en-US" altLang="ko-KR"/>
+              <a:t>oracle</a:t>
+            </a:r>
+            <a:endParaRPr lang="en-US" altLang="ko-KR"/>
+          </a:p>
+        </p:txBody>
+      </p:sp>
+      <p:cxnSp>
+        <p:nvCxnSpPr>
+          <p:cNvPr id="11" name="직선 연결선 10"/>
+          <p:cNvCxnSpPr/>
+          <p:nvPr/>
+        </p:nvCxnSpPr>
+        <p:spPr>
+          <a:xfrm>
+            <a:off x="35496" y="1205136"/>
+            <a:ext cx="9001000" cy="0"/>
+          </a:xfrm>
+          <a:prstGeom prst="line">
+            <a:avLst/>
+          </a:prstGeom>
+          <a:ln w="28575"/>
+        </p:spPr>
+        <p:style>
+          <a:lnRef idx="1">
+            <a:schemeClr val="accent1"/>
+          </a:lnRef>
+          <a:fillRef idx="0">
+            <a:schemeClr val="accent1"/>
+          </a:fillRef>
+          <a:effectRef idx="0">
+            <a:schemeClr val="accent1"/>
+          </a:effectRef>
+          <a:fontRef idx="minor">
+            <a:schemeClr val="tx1"/>
+          </a:fontRef>
+        </p:style>
+      </p:cxnSp>
+      <p:cxnSp>
+        <p:nvCxnSpPr>
+          <p:cNvPr id="14" name="직선 연결선 13"/>
+          <p:cNvCxnSpPr/>
+          <p:nvPr/>
+        </p:nvCxnSpPr>
+        <p:spPr>
+          <a:xfrm>
+            <a:off x="35496" y="6741368"/>
+            <a:ext cx="9001000" cy="0"/>
+          </a:xfrm>
+          <a:prstGeom prst="line">
+            <a:avLst/>
+          </a:prstGeom>
+          <a:ln w="28575"/>
+        </p:spPr>
+        <p:style>
+          <a:lnRef idx="1">
+            <a:schemeClr val="accent1"/>
+          </a:lnRef>
+          <a:fillRef idx="0">
+            <a:schemeClr val="accent1"/>
+          </a:fillRef>
+          <a:effectRef idx="0">
+            <a:schemeClr val="accent1"/>
+          </a:effectRef>
+          <a:fontRef idx="minor">
+            <a:schemeClr val="tx1"/>
+          </a:fontRef>
+        </p:style>
+      </p:cxnSp>
+      <p:cxnSp>
+        <p:nvCxnSpPr>
+          <p:cNvPr id="15" name="직선 연결선 14"/>
+          <p:cNvCxnSpPr/>
+          <p:nvPr/>
+        </p:nvCxnSpPr>
+        <p:spPr>
+          <a:xfrm>
+            <a:off x="35496" y="1196752"/>
+            <a:ext cx="0" cy="5544616"/>
+          </a:xfrm>
+          <a:prstGeom prst="line">
+            <a:avLst/>
+          </a:prstGeom>
+          <a:ln w="28575"/>
+        </p:spPr>
+        <p:style>
+          <a:lnRef idx="1">
+            <a:schemeClr val="accent1"/>
+          </a:lnRef>
+          <a:fillRef idx="0">
+            <a:schemeClr val="accent1"/>
+          </a:fillRef>
+          <a:effectRef idx="0">
+            <a:schemeClr val="accent1"/>
+          </a:effectRef>
+          <a:fontRef idx="minor">
+            <a:schemeClr val="tx1"/>
+          </a:fontRef>
+        </p:style>
+      </p:cxnSp>
+      <p:cxnSp>
+        <p:nvCxnSpPr>
+          <p:cNvPr id="19" name="직선 연결선 18"/>
+          <p:cNvCxnSpPr/>
+          <p:nvPr/>
+        </p:nvCxnSpPr>
+        <p:spPr>
+          <a:xfrm>
+            <a:off x="9036496" y="1205136"/>
+            <a:ext cx="0" cy="5544616"/>
+          </a:xfrm>
+          <a:prstGeom prst="line">
+            <a:avLst/>
+          </a:prstGeom>
+          <a:ln w="28575"/>
+        </p:spPr>
+        <p:style>
+          <a:lnRef idx="1">
+            <a:schemeClr val="accent1"/>
+          </a:lnRef>
+          <a:fillRef idx="0">
+            <a:schemeClr val="accent1"/>
+          </a:fillRef>
+          <a:effectRef idx="0">
+            <a:schemeClr val="accent1"/>
+          </a:effectRef>
+          <a:fontRef idx="minor">
+            <a:schemeClr val="tx1"/>
+          </a:fontRef>
+        </p:style>
+      </p:cxnSp>
+      <p:cxnSp>
+        <p:nvCxnSpPr>
+          <p:cNvPr id="21" name="직선 연결선 20"/>
+          <p:cNvCxnSpPr/>
+          <p:nvPr/>
+        </p:nvCxnSpPr>
+        <p:spPr>
+          <a:xfrm>
+            <a:off x="9036496" y="4869160"/>
+            <a:ext cx="0" cy="0"/>
+          </a:xfrm>
+          <a:prstGeom prst="line">
+            <a:avLst/>
+          </a:prstGeom>
+          <a:ln w="28575"/>
+        </p:spPr>
+        <p:style>
+          <a:lnRef idx="1">
+            <a:schemeClr val="accent1"/>
+          </a:lnRef>
+          <a:fillRef idx="0">
+            <a:schemeClr val="accent1"/>
+          </a:fillRef>
+          <a:effectRef idx="0">
+            <a:schemeClr val="accent1"/>
+          </a:effectRef>
+          <a:fontRef idx="minor">
+            <a:schemeClr val="tx1"/>
+          </a:fontRef>
+        </p:style>
+      </p:cxnSp>
+      <p:sp>
+        <p:nvSpPr>
+          <p:cNvPr id="31" name="직사각형 30"/>
+          <p:cNvSpPr/>
+          <p:nvPr/>
+        </p:nvSpPr>
+        <p:spPr>
+          <a:xfrm>
+            <a:off x="3563888" y="44624"/>
+            <a:ext cx="2808312" cy="504056"/>
+          </a:xfrm>
+          <a:prstGeom prst="rect">
+            <a:avLst/>
+          </a:prstGeom>
+          <a:noFill/>
+        </p:spPr>
+        <p:style>
+          <a:lnRef idx="2">
+            <a:schemeClr val="accent1">
+              <a:shade val="50000"/>
+            </a:schemeClr>
+          </a:lnRef>
+          <a:fillRef idx="1">
+            <a:schemeClr val="accent1"/>
+          </a:fillRef>
+          <a:effectRef idx="0">
+            <a:schemeClr val="accent1"/>
+          </a:effectRef>
+          <a:fontRef idx="minor">
+            <a:schemeClr val="lt1"/>
+          </a:fontRef>
+        </p:style>
+        <p:txBody>
+          <a:bodyPr anchor="ctr"/>
+          <a:lstStyle/>
+          <a:p>
+            <a:pPr algn="ctr">
+              <a:lnSpc>
+                <a:spcPct val="150000"/>
+              </a:lnSpc>
+              <a:defRPr/>
+            </a:pPr>
+            <a:r>
+              <a:rPr lang="ko-KR" altLang="en-US" sz="2000" b="1">
+                <a:solidFill>
+                  <a:schemeClr val="tx1"/>
+                </a:solidFill>
+              </a:rPr>
+              <a:t>로그인</a:t>
+            </a:r>
+            <a:endParaRPr lang="ko-KR" altLang="en-US" sz="2000" b="1">
+              <a:solidFill>
+                <a:schemeClr val="tx1"/>
+              </a:solidFill>
+            </a:endParaRPr>
+          </a:p>
+        </p:txBody>
+      </p:sp>
+      <p:pic>
+        <p:nvPicPr>
+          <p:cNvPr id="36" name=""/>
+          <p:cNvPicPr>
+            <a:picLocks noChangeAspect="1"/>
+          </p:cNvPicPr>
+          <p:nvPr/>
+        </p:nvPicPr>
+        <p:blipFill rotWithShape="1">
+          <a:blip r:embed="rId3"/>
+          <a:stretch>
+            <a:fillRect/>
+          </a:stretch>
+        </p:blipFill>
+        <p:spPr>
+          <a:xfrm>
+            <a:off x="143966" y="2924943"/>
+            <a:ext cx="6156225" cy="3744416"/>
+          </a:xfrm>
+          <a:prstGeom prst="rect">
+            <a:avLst/>
+          </a:prstGeom>
+        </p:spPr>
+      </p:pic>
+      <p:sp>
+        <p:nvSpPr>
+          <p:cNvPr id="37" name="직사각형 15"/>
+          <p:cNvSpPr/>
+          <p:nvPr/>
+        </p:nvSpPr>
+        <p:spPr>
+          <a:xfrm>
+            <a:off x="4572000" y="4437112"/>
+            <a:ext cx="4381702" cy="1080120"/>
+          </a:xfrm>
+          <a:prstGeom prst="rect">
+            <a:avLst/>
+          </a:prstGeom>
+          <a:solidFill>
+            <a:schemeClr val="bg1"/>
+          </a:solidFill>
+        </p:spPr>
+        <p:style>
+          <a:lnRef idx="2">
+            <a:schemeClr val="accent6"/>
+          </a:lnRef>
+          <a:fillRef idx="1">
+            <a:schemeClr val="lt1"/>
+          </a:fillRef>
+          <a:effectRef idx="0">
+            <a:schemeClr val="accent6"/>
+          </a:effectRef>
+          <a:fontRef idx="minor">
+            <a:schemeClr val="dk1"/>
+          </a:fontRef>
+        </p:style>
+        <p:txBody>
+          <a:bodyPr anchor="ctr"/>
+          <a:lstStyle/>
+          <a:p>
+            <a:pPr lvl="0" algn="ctr">
+              <a:defRPr/>
+            </a:pPr>
+            <a:r>
+              <a:rPr lang="ko-KR" altLang="en-US">
+                <a:solidFill>
+                  <a:schemeClr val="tx1"/>
+                </a:solidFill>
+              </a:rPr>
+              <a:t>로그인</a:t>
+            </a:r>
+            <a:r>
+              <a:rPr lang="en-US" altLang="ko-KR">
+                <a:solidFill>
+                  <a:schemeClr val="tx1"/>
+                </a:solidFill>
+              </a:rPr>
+              <a:t>,</a:t>
+            </a:r>
+            <a:r>
+              <a:rPr lang="ko-KR" altLang="en-US">
+                <a:solidFill>
+                  <a:schemeClr val="tx1"/>
+                </a:solidFill>
+              </a:rPr>
+              <a:t> 회원가입등</a:t>
+            </a:r>
+            <a:endParaRPr lang="ko-KR" altLang="en-US">
+              <a:solidFill>
+                <a:schemeClr val="tx1"/>
+              </a:solidFill>
+            </a:endParaRPr>
+          </a:p>
+          <a:p>
+            <a:pPr lvl="0" algn="ctr">
+              <a:defRPr/>
+            </a:pPr>
+            <a:r>
+              <a:rPr lang="ko-KR" altLang="en-US">
+                <a:solidFill>
+                  <a:schemeClr val="tx1"/>
+                </a:solidFill>
+              </a:rPr>
+              <a:t>사용자에게 보여지는 화면</a:t>
+            </a:r>
+            <a:endParaRPr lang="ko-KR" altLang="en-US">
+              <a:solidFill>
+                <a:schemeClr val="tx1"/>
+              </a:solidFill>
+            </a:endParaRPr>
+          </a:p>
+        </p:txBody>
+      </p:sp>
+      <p:pic>
+        <p:nvPicPr>
+          <p:cNvPr id="38" name=""/>
+          <p:cNvPicPr>
+            <a:picLocks noChangeAspect="1"/>
+          </p:cNvPicPr>
+          <p:nvPr/>
+        </p:nvPicPr>
+        <p:blipFill rotWithShape="1">
+          <a:blip r:embed="rId4"/>
+          <a:stretch>
+            <a:fillRect/>
+          </a:stretch>
+        </p:blipFill>
+        <p:spPr>
+          <a:xfrm>
+            <a:off x="4770129" y="1263402"/>
+            <a:ext cx="4194359" cy="1949573"/>
+          </a:xfrm>
+          <a:prstGeom prst="rect">
+            <a:avLst/>
+          </a:prstGeom>
+        </p:spPr>
+      </p:pic>
+    </p:spTree>
+  </p:cSld>
+  <p:clrMapOvr>
+    <a:masterClrMapping/>
+  </p:clrMapOvr>
+  <mc:AlternateContent xmlns:mc="http://schemas.openxmlformats.org/markup-compatibility/2006">
+    <mc:Choice xmlns:p14="http://schemas.microsoft.com/office/powerpoint/2010/main" Requires="p14">
+      <p:transition xmlns:mc="http://schemas.openxmlformats.org/markup-compatibility/2006" xmlns:p14="http://schemas.microsoft.com/office/powerpoint/2010/main" mc:Ignorable="p14" p14:dur="500"/>
+    </mc:Choice>
+    <mc:Fallback>
+      <p:transition/>
+    </mc:Fallback>
+  </mc:AlternateContent>
+</p:sld>
+</file>
+
+<file path=ppt/slides/slide24.xml><?xml version="1.0" encoding="utf-8"?>
+<p:sld xmlns:r="http://schemas.openxmlformats.org/officeDocument/2006/relationships" xmlns:c="http://schemas.openxmlformats.org/drawingml/2006/chart" xmlns:a="http://schemas.openxmlformats.org/drawingml/2006/main" xmlns:dgm="http://schemas.openxmlformats.org/drawingml/2006/diagram" xmlns:dsp="http://schemas.microsoft.com/office/drawing/2008/diagram" xmlns:p="http://schemas.openxmlformats.org/presentationml/2006/main">
+  <p:cSld>
+    <p:spTree>
+      <p:nvGrpSpPr>
+        <p:cNvPr id="1" name=""/>
+        <p:cNvGrpSpPr/>
+        <p:nvPr/>
+      </p:nvGrpSpPr>
+      <p:grpSpPr>
+        <a:xfrm>
+          <a:off x="0" y="0"/>
+          <a:ext cx="0" cy="0"/>
+          <a:chOff x="0" y="0"/>
+          <a:chExt cx="0" cy="0"/>
+        </a:xfrm>
+      </p:grpSpPr>
+      <p:sp>
+        <p:nvSpPr>
+          <p:cNvPr id="4" name="직사각형 3"/>
+          <p:cNvSpPr/>
+          <p:nvPr/>
+        </p:nvSpPr>
+        <p:spPr>
+          <a:xfrm>
+            <a:off x="35496" y="44624"/>
+            <a:ext cx="3312368" cy="504056"/>
+          </a:xfrm>
+          <a:prstGeom prst="rect">
+            <a:avLst/>
+          </a:prstGeom>
+          <a:noFill/>
+        </p:spPr>
+        <p:style>
+          <a:lnRef idx="2">
+            <a:schemeClr val="accent1">
+              <a:shade val="50000"/>
+            </a:schemeClr>
+          </a:lnRef>
+          <a:fillRef idx="1">
+            <a:schemeClr val="accent1"/>
+          </a:fillRef>
+          <a:effectRef idx="0">
+            <a:schemeClr val="accent1"/>
+          </a:effectRef>
+          <a:fontRef idx="minor">
+            <a:schemeClr val="lt1"/>
+          </a:fontRef>
+        </p:style>
+        <p:txBody>
+          <a:bodyPr anchor="b"/>
+          <a:lstStyle/>
+          <a:p>
+            <a:pPr algn="ctr">
+              <a:lnSpc>
+                <a:spcPct val="150000"/>
+              </a:lnSpc>
+              <a:defRPr/>
+            </a:pPr>
+            <a:r>
+              <a:rPr lang="ko-KR" altLang="en-US" sz="2000" b="1">
+                <a:solidFill>
+                  <a:schemeClr val="tx1"/>
+                </a:solidFill>
+              </a:rPr>
+              <a:t>주요 소스 </a:t>
+            </a:r>
+            <a:r>
+              <a:rPr lang="en-US" altLang="ko-KR" sz="2000" b="1">
+                <a:solidFill>
+                  <a:schemeClr val="tx1"/>
+                </a:solidFill>
+              </a:rPr>
+              <a:t>[Code Review]</a:t>
+            </a:r>
+            <a:endParaRPr lang="ko-KR" altLang="en-US" sz="2000" b="1">
+              <a:solidFill>
+                <a:schemeClr val="tx1"/>
+              </a:solidFill>
+            </a:endParaRPr>
+          </a:p>
+        </p:txBody>
+      </p:sp>
+      <p:sp>
+        <p:nvSpPr>
+          <p:cNvPr id="5" name="직사각형 4"/>
+          <p:cNvSpPr/>
+          <p:nvPr/>
+        </p:nvSpPr>
+        <p:spPr>
+          <a:xfrm>
+            <a:off x="35496" y="620688"/>
+            <a:ext cx="3312368" cy="432048"/>
+          </a:xfrm>
+          <a:prstGeom prst="rect">
+            <a:avLst/>
+          </a:prstGeom>
+          <a:noFill/>
+        </p:spPr>
+        <p:style>
+          <a:lnRef idx="2">
+            <a:schemeClr val="accent1">
+              <a:shade val="50000"/>
+            </a:schemeClr>
+          </a:lnRef>
+          <a:fillRef idx="1">
+            <a:schemeClr val="accent1"/>
+          </a:fillRef>
+          <a:effectRef idx="0">
+            <a:schemeClr val="accent1"/>
+          </a:effectRef>
+          <a:fontRef idx="minor">
+            <a:schemeClr val="lt1"/>
+          </a:fontRef>
+        </p:style>
+        <p:txBody>
+          <a:bodyPr anchor="b"/>
+          <a:lstStyle/>
+          <a:p>
+            <a:pPr algn="ctr">
+              <a:lnSpc>
+                <a:spcPct val="150000"/>
+              </a:lnSpc>
+              <a:defRPr/>
+            </a:pPr>
+            <a:r>
+              <a:rPr lang="en-US" altLang="ko-KR" sz="2000" b="1">
+                <a:solidFill>
+                  <a:schemeClr val="tx1"/>
+                </a:solidFill>
+              </a:rPr>
+              <a:t>Login.js</a:t>
+            </a:r>
+            <a:endParaRPr lang="en-US" altLang="ko-KR" sz="2000" b="1">
+              <a:solidFill>
+                <a:schemeClr val="tx1"/>
+              </a:solidFill>
+            </a:endParaRPr>
+          </a:p>
+        </p:txBody>
+      </p:sp>
+      <p:cxnSp>
+        <p:nvCxnSpPr>
+          <p:cNvPr id="7" name="직선 연결선 6"/>
+          <p:cNvCxnSpPr/>
+          <p:nvPr/>
+        </p:nvCxnSpPr>
+        <p:spPr>
+          <a:xfrm>
+            <a:off x="3491880" y="1052736"/>
+            <a:ext cx="5544616" cy="0"/>
+          </a:xfrm>
+          <a:prstGeom prst="line">
+            <a:avLst/>
+          </a:prstGeom>
+          <a:ln w="28575"/>
+        </p:spPr>
+        <p:style>
+          <a:lnRef idx="1">
+            <a:schemeClr val="accent1"/>
+          </a:lnRef>
+          <a:fillRef idx="0">
+            <a:schemeClr val="accent1"/>
+          </a:fillRef>
+          <a:effectRef idx="0">
+            <a:schemeClr val="accent1"/>
+          </a:effectRef>
+          <a:fontRef idx="minor">
+            <a:schemeClr val="tx1"/>
+          </a:fontRef>
+        </p:style>
+      </p:cxnSp>
+      <p:sp>
+        <p:nvSpPr>
+          <p:cNvPr id="8" name="TextBox 7"/>
+          <p:cNvSpPr txBox="1"/>
+          <p:nvPr/>
+        </p:nvSpPr>
+        <p:spPr>
+          <a:xfrm>
+            <a:off x="3491880" y="620688"/>
+            <a:ext cx="2314560" cy="358482"/>
+          </a:xfrm>
+          <a:prstGeom prst="rect">
+            <a:avLst/>
+          </a:prstGeom>
+          <a:noFill/>
+        </p:spPr>
+        <p:txBody>
+          <a:bodyPr wrap="none">
+            <a:spAutoFit/>
+          </a:bodyPr>
+          <a:lstStyle/>
+          <a:p>
+            <a:pPr lvl="0">
+              <a:defRPr/>
+            </a:pPr>
+            <a:r>
+              <a:rPr lang="en-US" altLang="ko-KR"/>
+              <a:t>react,</a:t>
+            </a:r>
+            <a:r>
+              <a:rPr lang="ko-KR" altLang="en-US"/>
+              <a:t> </a:t>
+            </a:r>
+            <a:r>
+              <a:rPr lang="en-US" altLang="ko-KR"/>
+              <a:t>node.js,</a:t>
+            </a:r>
+            <a:r>
+              <a:rPr lang="ko-KR" altLang="en-US"/>
+              <a:t> </a:t>
+            </a:r>
+            <a:r>
+              <a:rPr lang="en-US" altLang="ko-KR"/>
+              <a:t>oracle</a:t>
+            </a:r>
+            <a:endParaRPr lang="en-US" altLang="ko-KR"/>
+          </a:p>
+        </p:txBody>
+      </p:sp>
+      <p:cxnSp>
+        <p:nvCxnSpPr>
+          <p:cNvPr id="11" name="직선 연결선 10"/>
+          <p:cNvCxnSpPr/>
+          <p:nvPr/>
+        </p:nvCxnSpPr>
+        <p:spPr>
+          <a:xfrm>
+            <a:off x="35496" y="1205136"/>
+            <a:ext cx="9001000" cy="0"/>
+          </a:xfrm>
+          <a:prstGeom prst="line">
+            <a:avLst/>
+          </a:prstGeom>
+          <a:ln w="28575"/>
+        </p:spPr>
+        <p:style>
+          <a:lnRef idx="1">
+            <a:schemeClr val="accent1"/>
+          </a:lnRef>
+          <a:fillRef idx="0">
+            <a:schemeClr val="accent1"/>
+          </a:fillRef>
+          <a:effectRef idx="0">
+            <a:schemeClr val="accent1"/>
+          </a:effectRef>
+          <a:fontRef idx="minor">
+            <a:schemeClr val="tx1"/>
+          </a:fontRef>
+        </p:style>
+      </p:cxnSp>
+      <p:cxnSp>
+        <p:nvCxnSpPr>
+          <p:cNvPr id="14" name="직선 연결선 13"/>
+          <p:cNvCxnSpPr/>
+          <p:nvPr/>
+        </p:nvCxnSpPr>
+        <p:spPr>
+          <a:xfrm>
+            <a:off x="35496" y="6741368"/>
+            <a:ext cx="9001000" cy="0"/>
+          </a:xfrm>
+          <a:prstGeom prst="line">
+            <a:avLst/>
+          </a:prstGeom>
+          <a:ln w="28575"/>
+        </p:spPr>
+        <p:style>
+          <a:lnRef idx="1">
+            <a:schemeClr val="accent1"/>
+          </a:lnRef>
+          <a:fillRef idx="0">
+            <a:schemeClr val="accent1"/>
+          </a:fillRef>
+          <a:effectRef idx="0">
+            <a:schemeClr val="accent1"/>
+          </a:effectRef>
+          <a:fontRef idx="minor">
+            <a:schemeClr val="tx1"/>
+          </a:fontRef>
+        </p:style>
+      </p:cxnSp>
+      <p:cxnSp>
+        <p:nvCxnSpPr>
+          <p:cNvPr id="15" name="직선 연결선 14"/>
+          <p:cNvCxnSpPr/>
+          <p:nvPr/>
+        </p:nvCxnSpPr>
+        <p:spPr>
+          <a:xfrm>
+            <a:off x="35496" y="1196752"/>
+            <a:ext cx="0" cy="5544616"/>
+          </a:xfrm>
+          <a:prstGeom prst="line">
+            <a:avLst/>
+          </a:prstGeom>
+          <a:ln w="28575"/>
+        </p:spPr>
+        <p:style>
+          <a:lnRef idx="1">
+            <a:schemeClr val="accent1"/>
+          </a:lnRef>
+          <a:fillRef idx="0">
+            <a:schemeClr val="accent1"/>
+          </a:fillRef>
+          <a:effectRef idx="0">
+            <a:schemeClr val="accent1"/>
+          </a:effectRef>
+          <a:fontRef idx="minor">
+            <a:schemeClr val="tx1"/>
+          </a:fontRef>
+        </p:style>
+      </p:cxnSp>
+      <p:cxnSp>
+        <p:nvCxnSpPr>
+          <p:cNvPr id="19" name="직선 연결선 18"/>
+          <p:cNvCxnSpPr/>
+          <p:nvPr/>
+        </p:nvCxnSpPr>
+        <p:spPr>
+          <a:xfrm>
+            <a:off x="9036496" y="1205136"/>
+            <a:ext cx="0" cy="5544616"/>
+          </a:xfrm>
+          <a:prstGeom prst="line">
+            <a:avLst/>
+          </a:prstGeom>
+          <a:ln w="28575"/>
+        </p:spPr>
+        <p:style>
+          <a:lnRef idx="1">
+            <a:schemeClr val="accent1"/>
+          </a:lnRef>
+          <a:fillRef idx="0">
+            <a:schemeClr val="accent1"/>
+          </a:fillRef>
+          <a:effectRef idx="0">
+            <a:schemeClr val="accent1"/>
+          </a:effectRef>
+          <a:fontRef idx="minor">
+            <a:schemeClr val="tx1"/>
+          </a:fontRef>
+        </p:style>
+      </p:cxnSp>
+      <p:cxnSp>
+        <p:nvCxnSpPr>
+          <p:cNvPr id="21" name="직선 연결선 20"/>
+          <p:cNvCxnSpPr/>
+          <p:nvPr/>
+        </p:nvCxnSpPr>
+        <p:spPr>
+          <a:xfrm>
+            <a:off x="9036496" y="4869160"/>
+            <a:ext cx="0" cy="0"/>
+          </a:xfrm>
+          <a:prstGeom prst="line">
+            <a:avLst/>
+          </a:prstGeom>
+          <a:ln w="28575"/>
+        </p:spPr>
+        <p:style>
+          <a:lnRef idx="1">
+            <a:schemeClr val="accent1"/>
+          </a:lnRef>
+          <a:fillRef idx="0">
+            <a:schemeClr val="accent1"/>
+          </a:fillRef>
+          <a:effectRef idx="0">
+            <a:schemeClr val="accent1"/>
+          </a:effectRef>
+          <a:fontRef idx="minor">
+            <a:schemeClr val="tx1"/>
+          </a:fontRef>
+        </p:style>
+      </p:cxnSp>
+      <p:sp>
+        <p:nvSpPr>
+          <p:cNvPr id="31" name="직사각형 30"/>
+          <p:cNvSpPr/>
+          <p:nvPr/>
+        </p:nvSpPr>
+        <p:spPr>
+          <a:xfrm>
+            <a:off x="3563888" y="44624"/>
+            <a:ext cx="2808312" cy="504056"/>
+          </a:xfrm>
+          <a:prstGeom prst="rect">
+            <a:avLst/>
+          </a:prstGeom>
+          <a:noFill/>
+        </p:spPr>
+        <p:style>
+          <a:lnRef idx="2">
+            <a:schemeClr val="accent1">
+              <a:shade val="50000"/>
+            </a:schemeClr>
+          </a:lnRef>
+          <a:fillRef idx="1">
+            <a:schemeClr val="accent1"/>
+          </a:fillRef>
+          <a:effectRef idx="0">
+            <a:schemeClr val="accent1"/>
+          </a:effectRef>
+          <a:fontRef idx="minor">
+            <a:schemeClr val="lt1"/>
+          </a:fontRef>
+        </p:style>
+        <p:txBody>
+          <a:bodyPr anchor="ctr"/>
+          <a:lstStyle/>
+          <a:p>
+            <a:pPr algn="ctr">
+              <a:lnSpc>
+                <a:spcPct val="150000"/>
+              </a:lnSpc>
+              <a:defRPr/>
+            </a:pPr>
+            <a:r>
+              <a:rPr lang="ko-KR" altLang="en-US" sz="2000" b="1">
+                <a:solidFill>
+                  <a:schemeClr val="tx1"/>
+                </a:solidFill>
+              </a:rPr>
+              <a:t>로그인</a:t>
+            </a:r>
+            <a:endParaRPr lang="ko-KR" altLang="en-US" sz="2000" b="1">
+              <a:solidFill>
+                <a:schemeClr val="tx1"/>
+              </a:solidFill>
+            </a:endParaRPr>
+          </a:p>
+        </p:txBody>
+      </p:sp>
+      <p:pic>
+        <p:nvPicPr>
+          <p:cNvPr id="38" name=""/>
+          <p:cNvPicPr>
+            <a:picLocks noChangeAspect="1"/>
+          </p:cNvPicPr>
+          <p:nvPr/>
+        </p:nvPicPr>
+        <p:blipFill rotWithShape="1">
+          <a:blip r:embed="rId2"/>
+          <a:stretch>
+            <a:fillRect/>
+          </a:stretch>
+        </p:blipFill>
+        <p:spPr>
+          <a:xfrm>
+            <a:off x="1933574" y="2181225"/>
+            <a:ext cx="5276850" cy="2495550"/>
+          </a:xfrm>
+          <a:prstGeom prst="rect">
+            <a:avLst/>
+          </a:prstGeom>
+        </p:spPr>
+      </p:pic>
+      <p:sp>
+        <p:nvSpPr>
+          <p:cNvPr id="39" name="직사각형 15"/>
+          <p:cNvSpPr/>
+          <p:nvPr/>
+        </p:nvSpPr>
+        <p:spPr>
+          <a:xfrm>
+            <a:off x="2381148" y="5229200"/>
+            <a:ext cx="4381702" cy="1080120"/>
+          </a:xfrm>
+          <a:prstGeom prst="rect">
+            <a:avLst/>
+          </a:prstGeom>
+          <a:solidFill>
+            <a:schemeClr val="bg1"/>
+          </a:solidFill>
+        </p:spPr>
+        <p:style>
+          <a:lnRef idx="2">
+            <a:schemeClr val="accent6"/>
+          </a:lnRef>
+          <a:fillRef idx="1">
+            <a:schemeClr val="lt1"/>
+          </a:fillRef>
+          <a:effectRef idx="0">
+            <a:schemeClr val="accent6"/>
+          </a:effectRef>
+          <a:fontRef idx="minor">
+            <a:schemeClr val="dk1"/>
+          </a:fontRef>
+        </p:style>
+        <p:txBody>
+          <a:bodyPr anchor="ctr"/>
+          <a:lstStyle/>
+          <a:p>
+            <a:pPr lvl="0" algn="ctr">
+              <a:defRPr/>
+            </a:pPr>
+            <a:r>
+              <a:rPr lang="ko-KR" altLang="en-US">
+                <a:solidFill>
+                  <a:schemeClr val="tx1"/>
+                </a:solidFill>
+              </a:rPr>
+              <a:t>사용자가 아이디</a:t>
+            </a:r>
+            <a:r>
+              <a:rPr lang="en-US" altLang="ko-KR">
+                <a:solidFill>
+                  <a:schemeClr val="tx1"/>
+                </a:solidFill>
+              </a:rPr>
+              <a:t>,</a:t>
+            </a:r>
+            <a:r>
+              <a:rPr lang="ko-KR" altLang="en-US">
+                <a:solidFill>
+                  <a:schemeClr val="tx1"/>
+                </a:solidFill>
+              </a:rPr>
+              <a:t> 비밀번호 입력 후</a:t>
+            </a:r>
+            <a:r>
+              <a:rPr lang="en-US" altLang="ko-KR">
+                <a:solidFill>
+                  <a:schemeClr val="tx1"/>
+                </a:solidFill>
+              </a:rPr>
+              <a:t>,</a:t>
+            </a:r>
+            <a:endParaRPr lang="en-US" altLang="ko-KR">
+              <a:solidFill>
+                <a:schemeClr val="tx1"/>
+              </a:solidFill>
+            </a:endParaRPr>
+          </a:p>
+          <a:p>
+            <a:pPr lvl="0" algn="ctr">
+              <a:defRPr/>
+            </a:pPr>
+            <a:r>
+              <a:rPr lang="ko-KR" altLang="en-US">
+                <a:solidFill>
+                  <a:schemeClr val="tx1"/>
+                </a:solidFill>
+              </a:rPr>
+              <a:t>로그인 버튼을 눌렀을 시 실행</a:t>
+            </a:r>
+            <a:endParaRPr lang="ko-KR" altLang="en-US">
+              <a:solidFill>
+                <a:schemeClr val="tx1"/>
+              </a:solidFill>
+            </a:endParaRPr>
+          </a:p>
+        </p:txBody>
+      </p:sp>
+    </p:spTree>
+  </p:cSld>
+  <p:clrMapOvr>
+    <a:masterClrMapping/>
+  </p:clrMapOvr>
+  <mc:AlternateContent xmlns:mc="http://schemas.openxmlformats.org/markup-compatibility/2006">
+    <mc:Choice xmlns:p14="http://schemas.microsoft.com/office/powerpoint/2010/main" Requires="p14">
+      <p:transition xmlns:mc="http://schemas.openxmlformats.org/markup-compatibility/2006" xmlns:p14="http://schemas.microsoft.com/office/powerpoint/2010/main" mc:Ignorable="p14" p14:dur="500"/>
+    </mc:Choice>
+    <mc:Fallback>
+      <p:transition/>
+    </mc:Fallback>
+  </mc:AlternateContent>
+</p:sld>
+</file>
+
+<file path=ppt/slides/slide25.xml><?xml version="1.0" encoding="utf-8"?>
+<p:sld xmlns:r="http://schemas.openxmlformats.org/officeDocument/2006/relationships" xmlns:c="http://schemas.openxmlformats.org/drawingml/2006/chart" xmlns:a="http://schemas.openxmlformats.org/drawingml/2006/main" xmlns:dgm="http://schemas.openxmlformats.org/drawingml/2006/diagram" xmlns:dsp="http://schemas.microsoft.com/office/drawing/2008/diagram" xmlns:p="http://schemas.openxmlformats.org/presentationml/2006/main">
+  <p:cSld>
+    <p:spTree>
+      <p:nvGrpSpPr>
+        <p:cNvPr id="1" name=""/>
+        <p:cNvGrpSpPr/>
+        <p:nvPr/>
+      </p:nvGrpSpPr>
+      <p:grpSpPr>
+        <a:xfrm>
+          <a:off x="0" y="0"/>
+          <a:ext cx="0" cy="0"/>
+          <a:chOff x="0" y="0"/>
+          <a:chExt cx="0" cy="0"/>
+        </a:xfrm>
+      </p:grpSpPr>
+      <p:sp>
+        <p:nvSpPr>
+          <p:cNvPr id="4" name="직사각형 3"/>
+          <p:cNvSpPr/>
+          <p:nvPr/>
+        </p:nvSpPr>
+        <p:spPr>
+          <a:xfrm>
+            <a:off x="35496" y="44624"/>
+            <a:ext cx="3312368" cy="504056"/>
+          </a:xfrm>
+          <a:prstGeom prst="rect">
+            <a:avLst/>
+          </a:prstGeom>
+          <a:noFill/>
+        </p:spPr>
+        <p:style>
+          <a:lnRef idx="2">
+            <a:schemeClr val="accent1">
+              <a:shade val="50000"/>
+            </a:schemeClr>
+          </a:lnRef>
+          <a:fillRef idx="1">
+            <a:schemeClr val="accent1"/>
+          </a:fillRef>
+          <a:effectRef idx="0">
+            <a:schemeClr val="accent1"/>
+          </a:effectRef>
+          <a:fontRef idx="minor">
+            <a:schemeClr val="lt1"/>
+          </a:fontRef>
+        </p:style>
+        <p:txBody>
+          <a:bodyPr anchor="b"/>
+          <a:lstStyle/>
+          <a:p>
+            <a:pPr algn="ctr">
+              <a:lnSpc>
+                <a:spcPct val="150000"/>
+              </a:lnSpc>
+              <a:defRPr/>
+            </a:pPr>
+            <a:r>
+              <a:rPr lang="ko-KR" altLang="en-US" sz="2000" b="1">
+                <a:solidFill>
+                  <a:schemeClr val="tx1"/>
+                </a:solidFill>
+              </a:rPr>
+              <a:t>주요 소스 </a:t>
+            </a:r>
+            <a:r>
+              <a:rPr lang="en-US" altLang="ko-KR" sz="2000" b="1">
+                <a:solidFill>
+                  <a:schemeClr val="tx1"/>
+                </a:solidFill>
+              </a:rPr>
+              <a:t>[Code Review]</a:t>
+            </a:r>
+            <a:endParaRPr lang="ko-KR" altLang="en-US" sz="2000" b="1">
+              <a:solidFill>
+                <a:schemeClr val="tx1"/>
+              </a:solidFill>
+            </a:endParaRPr>
+          </a:p>
+        </p:txBody>
+      </p:sp>
+      <p:sp>
+        <p:nvSpPr>
+          <p:cNvPr id="5" name="직사각형 4"/>
+          <p:cNvSpPr/>
+          <p:nvPr/>
+        </p:nvSpPr>
+        <p:spPr>
+          <a:xfrm>
+            <a:off x="35496" y="620688"/>
+            <a:ext cx="3312368" cy="432048"/>
+          </a:xfrm>
+          <a:prstGeom prst="rect">
+            <a:avLst/>
+          </a:prstGeom>
+          <a:noFill/>
+        </p:spPr>
+        <p:style>
+          <a:lnRef idx="2">
+            <a:schemeClr val="accent1">
+              <a:shade val="50000"/>
+            </a:schemeClr>
+          </a:lnRef>
+          <a:fillRef idx="1">
+            <a:schemeClr val="accent1"/>
+          </a:fillRef>
+          <a:effectRef idx="0">
+            <a:schemeClr val="accent1"/>
+          </a:effectRef>
+          <a:fontRef idx="minor">
+            <a:schemeClr val="lt1"/>
+          </a:fontRef>
+        </p:style>
+        <p:txBody>
+          <a:bodyPr anchor="b"/>
+          <a:lstStyle/>
+          <a:p>
+            <a:pPr algn="ctr">
+              <a:lnSpc>
+                <a:spcPct val="150000"/>
+              </a:lnSpc>
+              <a:defRPr/>
+            </a:pPr>
+            <a:r>
+              <a:rPr lang="en-US" altLang="ko-KR" sz="2000" b="1">
+                <a:solidFill>
+                  <a:schemeClr val="tx1"/>
+                </a:solidFill>
+              </a:rPr>
+              <a:t>controllers.js</a:t>
+            </a:r>
+            <a:endParaRPr lang="en-US" altLang="ko-KR" sz="2000" b="1">
+              <a:solidFill>
+                <a:schemeClr val="tx1"/>
+              </a:solidFill>
+            </a:endParaRPr>
+          </a:p>
+        </p:txBody>
+      </p:sp>
+      <p:cxnSp>
+        <p:nvCxnSpPr>
+          <p:cNvPr id="7" name="직선 연결선 6"/>
+          <p:cNvCxnSpPr/>
+          <p:nvPr/>
+        </p:nvCxnSpPr>
+        <p:spPr>
+          <a:xfrm>
+            <a:off x="3491880" y="1052736"/>
+            <a:ext cx="5544616" cy="0"/>
+          </a:xfrm>
+          <a:prstGeom prst="line">
+            <a:avLst/>
+          </a:prstGeom>
+          <a:ln w="28575"/>
+        </p:spPr>
+        <p:style>
+          <a:lnRef idx="1">
+            <a:schemeClr val="accent1"/>
+          </a:lnRef>
+          <a:fillRef idx="0">
+            <a:schemeClr val="accent1"/>
+          </a:fillRef>
+          <a:effectRef idx="0">
+            <a:schemeClr val="accent1"/>
+          </a:effectRef>
+          <a:fontRef idx="minor">
+            <a:schemeClr val="tx1"/>
+          </a:fontRef>
+        </p:style>
+      </p:cxnSp>
+      <p:sp>
+        <p:nvSpPr>
+          <p:cNvPr id="8" name="TextBox 7"/>
+          <p:cNvSpPr txBox="1"/>
+          <p:nvPr/>
+        </p:nvSpPr>
+        <p:spPr>
+          <a:xfrm>
+            <a:off x="3491880" y="620688"/>
+            <a:ext cx="2314560" cy="358482"/>
+          </a:xfrm>
+          <a:prstGeom prst="rect">
+            <a:avLst/>
+          </a:prstGeom>
+          <a:noFill/>
+        </p:spPr>
+        <p:txBody>
+          <a:bodyPr wrap="none">
+            <a:spAutoFit/>
+          </a:bodyPr>
+          <a:lstStyle/>
+          <a:p>
+            <a:pPr lvl="0">
+              <a:defRPr/>
+            </a:pPr>
+            <a:r>
+              <a:rPr lang="en-US" altLang="ko-KR"/>
+              <a:t>react,</a:t>
+            </a:r>
+            <a:r>
+              <a:rPr lang="ko-KR" altLang="en-US"/>
+              <a:t> </a:t>
+            </a:r>
+            <a:r>
+              <a:rPr lang="en-US" altLang="ko-KR"/>
+              <a:t>node.js,</a:t>
+            </a:r>
+            <a:r>
+              <a:rPr lang="ko-KR" altLang="en-US"/>
+              <a:t> </a:t>
+            </a:r>
+            <a:r>
+              <a:rPr lang="en-US" altLang="ko-KR"/>
+              <a:t>oracle</a:t>
+            </a:r>
+            <a:endParaRPr lang="en-US" altLang="ko-KR"/>
+          </a:p>
+        </p:txBody>
+      </p:sp>
+      <p:cxnSp>
+        <p:nvCxnSpPr>
+          <p:cNvPr id="11" name="직선 연결선 10"/>
+          <p:cNvCxnSpPr/>
+          <p:nvPr/>
+        </p:nvCxnSpPr>
+        <p:spPr>
+          <a:xfrm>
+            <a:off x="35496" y="1205136"/>
+            <a:ext cx="9001000" cy="0"/>
+          </a:xfrm>
+          <a:prstGeom prst="line">
+            <a:avLst/>
+          </a:prstGeom>
+          <a:ln w="28575"/>
+        </p:spPr>
+        <p:style>
+          <a:lnRef idx="1">
+            <a:schemeClr val="accent1"/>
+          </a:lnRef>
+          <a:fillRef idx="0">
+            <a:schemeClr val="accent1"/>
+          </a:fillRef>
+          <a:effectRef idx="0">
+            <a:schemeClr val="accent1"/>
+          </a:effectRef>
+          <a:fontRef idx="minor">
+            <a:schemeClr val="tx1"/>
+          </a:fontRef>
+        </p:style>
+      </p:cxnSp>
+      <p:cxnSp>
+        <p:nvCxnSpPr>
+          <p:cNvPr id="14" name="직선 연결선 13"/>
+          <p:cNvCxnSpPr/>
+          <p:nvPr/>
+        </p:nvCxnSpPr>
+        <p:spPr>
+          <a:xfrm>
+            <a:off x="35496" y="6741368"/>
+            <a:ext cx="9001000" cy="0"/>
+          </a:xfrm>
+          <a:prstGeom prst="line">
+            <a:avLst/>
+          </a:prstGeom>
+          <a:ln w="28575"/>
+        </p:spPr>
+        <p:style>
+          <a:lnRef idx="1">
+            <a:schemeClr val="accent1"/>
+          </a:lnRef>
+          <a:fillRef idx="0">
+            <a:schemeClr val="accent1"/>
+          </a:fillRef>
+          <a:effectRef idx="0">
+            <a:schemeClr val="accent1"/>
+          </a:effectRef>
+          <a:fontRef idx="minor">
+            <a:schemeClr val="tx1"/>
+          </a:fontRef>
+        </p:style>
+      </p:cxnSp>
+      <p:cxnSp>
+        <p:nvCxnSpPr>
+          <p:cNvPr id="15" name="직선 연결선 14"/>
+          <p:cNvCxnSpPr/>
+          <p:nvPr/>
+        </p:nvCxnSpPr>
+        <p:spPr>
+          <a:xfrm>
+            <a:off x="35496" y="1196752"/>
+            <a:ext cx="0" cy="5544616"/>
+          </a:xfrm>
+          <a:prstGeom prst="line">
+            <a:avLst/>
+          </a:prstGeom>
+          <a:ln w="28575"/>
+        </p:spPr>
+        <p:style>
+          <a:lnRef idx="1">
+            <a:schemeClr val="accent1"/>
+          </a:lnRef>
+          <a:fillRef idx="0">
+            <a:schemeClr val="accent1"/>
+          </a:fillRef>
+          <a:effectRef idx="0">
+            <a:schemeClr val="accent1"/>
+          </a:effectRef>
+          <a:fontRef idx="minor">
+            <a:schemeClr val="tx1"/>
+          </a:fontRef>
+        </p:style>
+      </p:cxnSp>
+      <p:cxnSp>
+        <p:nvCxnSpPr>
+          <p:cNvPr id="19" name="직선 연결선 18"/>
+          <p:cNvCxnSpPr/>
+          <p:nvPr/>
+        </p:nvCxnSpPr>
+        <p:spPr>
+          <a:xfrm>
+            <a:off x="9036496" y="1205136"/>
+            <a:ext cx="0" cy="5544616"/>
+          </a:xfrm>
+          <a:prstGeom prst="line">
+            <a:avLst/>
+          </a:prstGeom>
+          <a:ln w="28575"/>
+        </p:spPr>
+        <p:style>
+          <a:lnRef idx="1">
+            <a:schemeClr val="accent1"/>
+          </a:lnRef>
+          <a:fillRef idx="0">
+            <a:schemeClr val="accent1"/>
+          </a:fillRef>
+          <a:effectRef idx="0">
+            <a:schemeClr val="accent1"/>
+          </a:effectRef>
+          <a:fontRef idx="minor">
+            <a:schemeClr val="tx1"/>
+          </a:fontRef>
+        </p:style>
+      </p:cxnSp>
+      <p:cxnSp>
+        <p:nvCxnSpPr>
+          <p:cNvPr id="21" name="직선 연결선 20"/>
+          <p:cNvCxnSpPr/>
+          <p:nvPr/>
+        </p:nvCxnSpPr>
+        <p:spPr>
+          <a:xfrm>
+            <a:off x="9036496" y="4869160"/>
+            <a:ext cx="0" cy="0"/>
+          </a:xfrm>
+          <a:prstGeom prst="line">
+            <a:avLst/>
+          </a:prstGeom>
+          <a:ln w="28575"/>
+        </p:spPr>
+        <p:style>
+          <a:lnRef idx="1">
+            <a:schemeClr val="accent1"/>
+          </a:lnRef>
+          <a:fillRef idx="0">
+            <a:schemeClr val="accent1"/>
+          </a:fillRef>
+          <a:effectRef idx="0">
+            <a:schemeClr val="accent1"/>
+          </a:effectRef>
+          <a:fontRef idx="minor">
+            <a:schemeClr val="tx1"/>
+          </a:fontRef>
+        </p:style>
+      </p:cxnSp>
+      <p:sp>
+        <p:nvSpPr>
+          <p:cNvPr id="31" name="직사각형 30"/>
+          <p:cNvSpPr/>
+          <p:nvPr/>
+        </p:nvSpPr>
+        <p:spPr>
+          <a:xfrm>
+            <a:off x="3563888" y="44624"/>
+            <a:ext cx="2808312" cy="504056"/>
+          </a:xfrm>
+          <a:prstGeom prst="rect">
+            <a:avLst/>
+          </a:prstGeom>
+          <a:noFill/>
+        </p:spPr>
+        <p:style>
+          <a:lnRef idx="2">
+            <a:schemeClr val="accent1">
+              <a:shade val="50000"/>
+            </a:schemeClr>
+          </a:lnRef>
+          <a:fillRef idx="1">
+            <a:schemeClr val="accent1"/>
+          </a:fillRef>
+          <a:effectRef idx="0">
+            <a:schemeClr val="accent1"/>
+          </a:effectRef>
+          <a:fontRef idx="minor">
+            <a:schemeClr val="lt1"/>
+          </a:fontRef>
+        </p:style>
+        <p:txBody>
+          <a:bodyPr anchor="ctr"/>
+          <a:lstStyle/>
+          <a:p>
+            <a:pPr algn="ctr">
+              <a:lnSpc>
+                <a:spcPct val="150000"/>
+              </a:lnSpc>
+              <a:defRPr/>
+            </a:pPr>
+            <a:r>
+              <a:rPr lang="ko-KR" altLang="en-US" sz="2000" b="1">
+                <a:solidFill>
+                  <a:schemeClr val="tx1"/>
+                </a:solidFill>
+              </a:rPr>
+              <a:t>로그인</a:t>
+            </a:r>
+            <a:endParaRPr lang="ko-KR" altLang="en-US" sz="2000" b="1">
+              <a:solidFill>
+                <a:schemeClr val="tx1"/>
+              </a:solidFill>
+            </a:endParaRPr>
+          </a:p>
+        </p:txBody>
+      </p:sp>
+      <p:pic>
+        <p:nvPicPr>
+          <p:cNvPr id="38" name=""/>
+          <p:cNvPicPr>
+            <a:picLocks noChangeAspect="1"/>
+          </p:cNvPicPr>
+          <p:nvPr/>
+        </p:nvPicPr>
+        <p:blipFill rotWithShape="1">
+          <a:blip r:embed="rId2"/>
+          <a:stretch>
+            <a:fillRect/>
+          </a:stretch>
+        </p:blipFill>
+        <p:spPr>
+          <a:xfrm>
+            <a:off x="251520" y="1556792"/>
+            <a:ext cx="6120680" cy="4838902"/>
+          </a:xfrm>
+          <a:prstGeom prst="rect">
+            <a:avLst/>
+          </a:prstGeom>
+        </p:spPr>
+      </p:pic>
+      <p:sp>
+        <p:nvSpPr>
+          <p:cNvPr id="39" name="직사각형 15"/>
+          <p:cNvSpPr/>
+          <p:nvPr/>
+        </p:nvSpPr>
+        <p:spPr>
+          <a:xfrm>
+            <a:off x="4366762" y="3933056"/>
+            <a:ext cx="4381702" cy="2232248"/>
+          </a:xfrm>
+          <a:prstGeom prst="rect">
+            <a:avLst/>
+          </a:prstGeom>
+          <a:solidFill>
+            <a:schemeClr val="bg1"/>
+          </a:solidFill>
+        </p:spPr>
+        <p:style>
+          <a:lnRef idx="2">
+            <a:schemeClr val="accent6"/>
+          </a:lnRef>
+          <a:fillRef idx="1">
+            <a:schemeClr val="lt1"/>
+          </a:fillRef>
+          <a:effectRef idx="0">
+            <a:schemeClr val="accent6"/>
+          </a:effectRef>
+          <a:fontRef idx="minor">
+            <a:schemeClr val="dk1"/>
+          </a:fontRef>
+        </p:style>
+        <p:txBody>
+          <a:bodyPr anchor="ctr"/>
+          <a:lstStyle/>
+          <a:p>
+            <a:pPr lvl="0" algn="ctr">
+              <a:defRPr/>
+            </a:pPr>
+            <a:r>
+              <a:rPr lang="en-US" altLang="ko-KR">
+                <a:solidFill>
+                  <a:schemeClr val="tx1"/>
+                </a:solidFill>
+              </a:rPr>
+              <a:t>Oracle DB</a:t>
+            </a:r>
+            <a:r>
+              <a:rPr lang="ko-KR" altLang="en-US">
+                <a:solidFill>
+                  <a:schemeClr val="tx1"/>
+                </a:solidFill>
+              </a:rPr>
+              <a:t> 연결 후</a:t>
+            </a:r>
+            <a:r>
+              <a:rPr lang="en-US" altLang="ko-KR">
+                <a:solidFill>
+                  <a:schemeClr val="tx1"/>
+                </a:solidFill>
+              </a:rPr>
+              <a:t>,</a:t>
+            </a:r>
+            <a:r>
+              <a:rPr lang="ko-KR" altLang="en-US">
+                <a:solidFill>
+                  <a:schemeClr val="tx1"/>
+                </a:solidFill>
+              </a:rPr>
+              <a:t> </a:t>
+            </a:r>
+            <a:endParaRPr lang="ko-KR" altLang="en-US">
+              <a:solidFill>
+                <a:schemeClr val="tx1"/>
+              </a:solidFill>
+            </a:endParaRPr>
+          </a:p>
+          <a:p>
+            <a:pPr lvl="0" algn="ctr">
+              <a:defRPr/>
+            </a:pPr>
+            <a:r>
+              <a:rPr lang="en-US" altLang="ko-KR">
+                <a:solidFill>
+                  <a:schemeClr val="tx1"/>
+                </a:solidFill>
+              </a:rPr>
+              <a:t>SELECT</a:t>
+            </a:r>
+            <a:r>
+              <a:rPr lang="ko-KR" altLang="en-US">
+                <a:solidFill>
+                  <a:schemeClr val="tx1"/>
+                </a:solidFill>
+              </a:rPr>
+              <a:t> 문으로 사용자가 입력한</a:t>
+            </a:r>
+            <a:endParaRPr lang="ko-KR" altLang="en-US">
+              <a:solidFill>
+                <a:schemeClr val="tx1"/>
+              </a:solidFill>
+            </a:endParaRPr>
+          </a:p>
+          <a:p>
+            <a:pPr lvl="0" algn="ctr">
+              <a:defRPr/>
+            </a:pPr>
+            <a:r>
+              <a:rPr lang="ko-KR" altLang="en-US">
+                <a:solidFill>
+                  <a:schemeClr val="tx1"/>
+                </a:solidFill>
+              </a:rPr>
+              <a:t>아이디와 패스워드를 검색</a:t>
+            </a:r>
+            <a:endParaRPr lang="ko-KR" altLang="en-US">
+              <a:solidFill>
+                <a:schemeClr val="tx1"/>
+              </a:solidFill>
+            </a:endParaRPr>
+          </a:p>
+          <a:p>
+            <a:pPr lvl="0" algn="ctr">
+              <a:defRPr/>
+            </a:pPr>
+            <a:endParaRPr lang="ko-KR" altLang="en-US">
+              <a:solidFill>
+                <a:schemeClr val="tx1"/>
+              </a:solidFill>
+            </a:endParaRPr>
+          </a:p>
+          <a:p>
+            <a:pPr lvl="0" algn="ctr">
+              <a:defRPr/>
+            </a:pPr>
+            <a:r>
+              <a:rPr lang="ko-KR" altLang="en-US">
+                <a:solidFill>
+                  <a:schemeClr val="tx1"/>
+                </a:solidFill>
+              </a:rPr>
+              <a:t>검색결과가 없는 경우</a:t>
+            </a:r>
+            <a:r>
+              <a:rPr lang="en-US" altLang="ko-KR">
+                <a:solidFill>
+                  <a:schemeClr val="tx1"/>
+                </a:solidFill>
+              </a:rPr>
+              <a:t>(!result.rows.length)</a:t>
+            </a:r>
+            <a:endParaRPr lang="en-US" altLang="ko-KR">
+              <a:solidFill>
+                <a:schemeClr val="tx1"/>
+              </a:solidFill>
+            </a:endParaRPr>
+          </a:p>
+          <a:p>
+            <a:pPr lvl="0" algn="ctr">
+              <a:defRPr/>
+            </a:pPr>
+            <a:r>
+              <a:rPr lang="ko-KR" altLang="en-US">
+                <a:solidFill>
+                  <a:schemeClr val="tx1"/>
+                </a:solidFill>
+              </a:rPr>
+              <a:t>일치하는 계정이 없다는 메시지 출력</a:t>
+            </a:r>
+            <a:endParaRPr lang="ko-KR" altLang="en-US">
+              <a:solidFill>
+                <a:schemeClr val="tx1"/>
+              </a:solidFill>
+            </a:endParaRPr>
+          </a:p>
+        </p:txBody>
+      </p:sp>
+    </p:spTree>
+  </p:cSld>
+  <p:clrMapOvr>
+    <a:masterClrMapping/>
+  </p:clrMapOvr>
+  <mc:AlternateContent xmlns:mc="http://schemas.openxmlformats.org/markup-compatibility/2006">
+    <mc:Choice xmlns:p14="http://schemas.microsoft.com/office/powerpoint/2010/main" Requires="p14">
+      <p:transition xmlns:mc="http://schemas.openxmlformats.org/markup-compatibility/2006" xmlns:p14="http://schemas.microsoft.com/office/powerpoint/2010/main" mc:Ignorable="p14" p14:dur="500"/>
+    </mc:Choice>
+    <mc:Fallback>
+      <p:transition/>
+    </mc:Fallback>
+  </mc:AlternateContent>
+</p:sld>
+</file>
+
+<file path=ppt/slides/slide26.xml><?xml version="1.0" encoding="utf-8"?>
+<p:sld xmlns:r="http://schemas.openxmlformats.org/officeDocument/2006/relationships" xmlns:c="http://schemas.openxmlformats.org/drawingml/2006/chart" xmlns:a="http://schemas.openxmlformats.org/drawingml/2006/main" xmlns:dgm="http://schemas.openxmlformats.org/drawingml/2006/diagram" xmlns:dsp="http://schemas.microsoft.com/office/drawing/2008/diagram" xmlns:p="http://schemas.openxmlformats.org/presentationml/2006/main">
+  <p:cSld>
+    <p:spTree>
+      <p:nvGrpSpPr>
+        <p:cNvPr id="1" name=""/>
+        <p:cNvGrpSpPr/>
+        <p:nvPr/>
+      </p:nvGrpSpPr>
+      <p:grpSpPr>
+        <a:xfrm>
+          <a:off x="0" y="0"/>
+          <a:ext cx="0" cy="0"/>
+          <a:chOff x="0" y="0"/>
+          <a:chExt cx="0" cy="0"/>
+        </a:xfrm>
+      </p:grpSpPr>
+      <p:sp>
+        <p:nvSpPr>
+          <p:cNvPr id="4" name="직사각형 3"/>
+          <p:cNvSpPr/>
+          <p:nvPr/>
+        </p:nvSpPr>
+        <p:spPr>
+          <a:xfrm>
+            <a:off x="35496" y="44624"/>
+            <a:ext cx="3312368" cy="504056"/>
+          </a:xfrm>
+          <a:prstGeom prst="rect">
+            <a:avLst/>
+          </a:prstGeom>
+          <a:noFill/>
+        </p:spPr>
+        <p:style>
+          <a:lnRef idx="2">
+            <a:schemeClr val="accent1">
+              <a:shade val="50000"/>
+            </a:schemeClr>
+          </a:lnRef>
+          <a:fillRef idx="1">
+            <a:schemeClr val="accent1"/>
+          </a:fillRef>
+          <a:effectRef idx="0">
+            <a:schemeClr val="accent1"/>
+          </a:effectRef>
+          <a:fontRef idx="minor">
+            <a:schemeClr val="lt1"/>
+          </a:fontRef>
+        </p:style>
+        <p:txBody>
+          <a:bodyPr anchor="b"/>
+          <a:lstStyle/>
+          <a:p>
+            <a:pPr algn="ctr">
+              <a:lnSpc>
+                <a:spcPct val="150000"/>
+              </a:lnSpc>
+              <a:defRPr/>
+            </a:pPr>
+            <a:r>
+              <a:rPr lang="ko-KR" altLang="en-US" sz="2000" b="1">
+                <a:solidFill>
+                  <a:schemeClr val="tx1"/>
+                </a:solidFill>
+              </a:rPr>
+              <a:t>주요 소스 </a:t>
+            </a:r>
+            <a:r>
+              <a:rPr lang="en-US" altLang="ko-KR" sz="2000" b="1">
+                <a:solidFill>
+                  <a:schemeClr val="tx1"/>
+                </a:solidFill>
+              </a:rPr>
+              <a:t>[Code Review]</a:t>
+            </a:r>
+            <a:endParaRPr lang="ko-KR" altLang="en-US" sz="2000" b="1">
+              <a:solidFill>
+                <a:schemeClr val="tx1"/>
+              </a:solidFill>
+            </a:endParaRPr>
+          </a:p>
+        </p:txBody>
+      </p:sp>
+      <p:sp>
+        <p:nvSpPr>
+          <p:cNvPr id="5" name="직사각형 4"/>
+          <p:cNvSpPr/>
+          <p:nvPr/>
+        </p:nvSpPr>
+        <p:spPr>
+          <a:xfrm>
+            <a:off x="35496" y="620688"/>
+            <a:ext cx="3312368" cy="432048"/>
+          </a:xfrm>
+          <a:prstGeom prst="rect">
+            <a:avLst/>
+          </a:prstGeom>
+          <a:noFill/>
+        </p:spPr>
+        <p:style>
+          <a:lnRef idx="2">
+            <a:schemeClr val="accent1">
+              <a:shade val="50000"/>
+            </a:schemeClr>
+          </a:lnRef>
+          <a:fillRef idx="1">
+            <a:schemeClr val="accent1"/>
+          </a:fillRef>
+          <a:effectRef idx="0">
+            <a:schemeClr val="accent1"/>
+          </a:effectRef>
+          <a:fontRef idx="minor">
+            <a:schemeClr val="lt1"/>
+          </a:fontRef>
+        </p:style>
+        <p:txBody>
+          <a:bodyPr anchor="b"/>
+          <a:lstStyle/>
+          <a:p>
+            <a:pPr algn="ctr">
+              <a:lnSpc>
+                <a:spcPct val="150000"/>
+              </a:lnSpc>
+              <a:defRPr/>
+            </a:pPr>
+            <a:r>
+              <a:rPr lang="en-US" altLang="ko-KR" sz="2000" b="1">
+                <a:solidFill>
+                  <a:schemeClr val="tx1"/>
+                </a:solidFill>
+              </a:rPr>
+              <a:t>Login.js</a:t>
+            </a:r>
+            <a:endParaRPr lang="en-US" altLang="ko-KR" sz="2000" b="1">
+              <a:solidFill>
+                <a:schemeClr val="tx1"/>
+              </a:solidFill>
+            </a:endParaRPr>
+          </a:p>
+        </p:txBody>
+      </p:sp>
+      <p:cxnSp>
+        <p:nvCxnSpPr>
+          <p:cNvPr id="7" name="직선 연결선 6"/>
+          <p:cNvCxnSpPr/>
+          <p:nvPr/>
+        </p:nvCxnSpPr>
+        <p:spPr>
+          <a:xfrm>
+            <a:off x="3491880" y="1052736"/>
+            <a:ext cx="5544616" cy="0"/>
+          </a:xfrm>
+          <a:prstGeom prst="line">
+            <a:avLst/>
+          </a:prstGeom>
+          <a:ln w="28575"/>
+        </p:spPr>
+        <p:style>
+          <a:lnRef idx="1">
+            <a:schemeClr val="accent1"/>
+          </a:lnRef>
+          <a:fillRef idx="0">
+            <a:schemeClr val="accent1"/>
+          </a:fillRef>
+          <a:effectRef idx="0">
+            <a:schemeClr val="accent1"/>
+          </a:effectRef>
+          <a:fontRef idx="minor">
+            <a:schemeClr val="tx1"/>
+          </a:fontRef>
+        </p:style>
+      </p:cxnSp>
+      <p:sp>
+        <p:nvSpPr>
+          <p:cNvPr id="8" name="TextBox 7"/>
+          <p:cNvSpPr txBox="1"/>
+          <p:nvPr/>
+        </p:nvSpPr>
+        <p:spPr>
+          <a:xfrm>
+            <a:off x="3491880" y="620688"/>
+            <a:ext cx="2314560" cy="358482"/>
+          </a:xfrm>
+          <a:prstGeom prst="rect">
+            <a:avLst/>
+          </a:prstGeom>
+          <a:noFill/>
+        </p:spPr>
+        <p:txBody>
+          <a:bodyPr wrap="none">
+            <a:spAutoFit/>
+          </a:bodyPr>
+          <a:lstStyle/>
+          <a:p>
+            <a:pPr lvl="0">
+              <a:defRPr/>
+            </a:pPr>
+            <a:r>
+              <a:rPr lang="en-US" altLang="ko-KR"/>
+              <a:t>react,</a:t>
+            </a:r>
+            <a:r>
+              <a:rPr lang="ko-KR" altLang="en-US"/>
+              <a:t> </a:t>
+            </a:r>
+            <a:r>
+              <a:rPr lang="en-US" altLang="ko-KR"/>
+              <a:t>node.js,</a:t>
+            </a:r>
+            <a:r>
+              <a:rPr lang="ko-KR" altLang="en-US"/>
+              <a:t> </a:t>
+            </a:r>
+            <a:r>
+              <a:rPr lang="en-US" altLang="ko-KR"/>
+              <a:t>oracle</a:t>
+            </a:r>
+            <a:endParaRPr lang="en-US" altLang="ko-KR"/>
+          </a:p>
+        </p:txBody>
+      </p:sp>
+      <p:cxnSp>
+        <p:nvCxnSpPr>
+          <p:cNvPr id="11" name="직선 연결선 10"/>
+          <p:cNvCxnSpPr/>
+          <p:nvPr/>
+        </p:nvCxnSpPr>
+        <p:spPr>
+          <a:xfrm>
+            <a:off x="35496" y="1205136"/>
+            <a:ext cx="9001000" cy="0"/>
+          </a:xfrm>
+          <a:prstGeom prst="line">
+            <a:avLst/>
+          </a:prstGeom>
+          <a:ln w="28575"/>
+        </p:spPr>
+        <p:style>
+          <a:lnRef idx="1">
+            <a:schemeClr val="accent1"/>
+          </a:lnRef>
+          <a:fillRef idx="0">
+            <a:schemeClr val="accent1"/>
+          </a:fillRef>
+          <a:effectRef idx="0">
+            <a:schemeClr val="accent1"/>
+          </a:effectRef>
+          <a:fontRef idx="minor">
+            <a:schemeClr val="tx1"/>
+          </a:fontRef>
+        </p:style>
+      </p:cxnSp>
+      <p:cxnSp>
+        <p:nvCxnSpPr>
+          <p:cNvPr id="14" name="직선 연결선 13"/>
+          <p:cNvCxnSpPr/>
+          <p:nvPr/>
+        </p:nvCxnSpPr>
+        <p:spPr>
+          <a:xfrm>
+            <a:off x="35496" y="6741368"/>
+            <a:ext cx="9001000" cy="0"/>
+          </a:xfrm>
+          <a:prstGeom prst="line">
+            <a:avLst/>
+          </a:prstGeom>
+          <a:ln w="28575"/>
+        </p:spPr>
+        <p:style>
+          <a:lnRef idx="1">
+            <a:schemeClr val="accent1"/>
+          </a:lnRef>
+          <a:fillRef idx="0">
+            <a:schemeClr val="accent1"/>
+          </a:fillRef>
+          <a:effectRef idx="0">
+            <a:schemeClr val="accent1"/>
+          </a:effectRef>
+          <a:fontRef idx="minor">
+            <a:schemeClr val="tx1"/>
+          </a:fontRef>
+        </p:style>
+      </p:cxnSp>
+      <p:cxnSp>
+        <p:nvCxnSpPr>
+          <p:cNvPr id="15" name="직선 연결선 14"/>
+          <p:cNvCxnSpPr/>
+          <p:nvPr/>
+        </p:nvCxnSpPr>
+        <p:spPr>
+          <a:xfrm>
+            <a:off x="35496" y="1196752"/>
+            <a:ext cx="0" cy="5544616"/>
+          </a:xfrm>
+          <a:prstGeom prst="line">
+            <a:avLst/>
+          </a:prstGeom>
+          <a:ln w="28575"/>
+        </p:spPr>
+        <p:style>
+          <a:lnRef idx="1">
+            <a:schemeClr val="accent1"/>
+          </a:lnRef>
+          <a:fillRef idx="0">
+            <a:schemeClr val="accent1"/>
+          </a:fillRef>
+          <a:effectRef idx="0">
+            <a:schemeClr val="accent1"/>
+          </a:effectRef>
+          <a:fontRef idx="minor">
+            <a:schemeClr val="tx1"/>
+          </a:fontRef>
+        </p:style>
+      </p:cxnSp>
+      <p:cxnSp>
+        <p:nvCxnSpPr>
+          <p:cNvPr id="19" name="직선 연결선 18"/>
+          <p:cNvCxnSpPr/>
+          <p:nvPr/>
+        </p:nvCxnSpPr>
+        <p:spPr>
+          <a:xfrm>
+            <a:off x="9036496" y="1205136"/>
+            <a:ext cx="0" cy="5544616"/>
+          </a:xfrm>
+          <a:prstGeom prst="line">
+            <a:avLst/>
+          </a:prstGeom>
+          <a:ln w="28575"/>
+        </p:spPr>
+        <p:style>
+          <a:lnRef idx="1">
+            <a:schemeClr val="accent1"/>
+          </a:lnRef>
+          <a:fillRef idx="0">
+            <a:schemeClr val="accent1"/>
+          </a:fillRef>
+          <a:effectRef idx="0">
+            <a:schemeClr val="accent1"/>
+          </a:effectRef>
+          <a:fontRef idx="minor">
+            <a:schemeClr val="tx1"/>
+          </a:fontRef>
+        </p:style>
+      </p:cxnSp>
+      <p:cxnSp>
+        <p:nvCxnSpPr>
+          <p:cNvPr id="21" name="직선 연결선 20"/>
+          <p:cNvCxnSpPr/>
+          <p:nvPr/>
+        </p:nvCxnSpPr>
+        <p:spPr>
+          <a:xfrm>
+            <a:off x="9036496" y="4869160"/>
+            <a:ext cx="0" cy="0"/>
+          </a:xfrm>
+          <a:prstGeom prst="line">
+            <a:avLst/>
+          </a:prstGeom>
+          <a:ln w="28575"/>
+        </p:spPr>
+        <p:style>
+          <a:lnRef idx="1">
+            <a:schemeClr val="accent1"/>
+          </a:lnRef>
+          <a:fillRef idx="0">
+            <a:schemeClr val="accent1"/>
+          </a:fillRef>
+          <a:effectRef idx="0">
+            <a:schemeClr val="accent1"/>
+          </a:effectRef>
+          <a:fontRef idx="minor">
+            <a:schemeClr val="tx1"/>
+          </a:fontRef>
+        </p:style>
+      </p:cxnSp>
+      <p:sp>
+        <p:nvSpPr>
+          <p:cNvPr id="31" name="직사각형 30"/>
+          <p:cNvSpPr/>
+          <p:nvPr/>
+        </p:nvSpPr>
+        <p:spPr>
+          <a:xfrm>
+            <a:off x="3563888" y="44624"/>
+            <a:ext cx="2808312" cy="504056"/>
+          </a:xfrm>
+          <a:prstGeom prst="rect">
+            <a:avLst/>
+          </a:prstGeom>
+          <a:noFill/>
+        </p:spPr>
+        <p:style>
+          <a:lnRef idx="2">
+            <a:schemeClr val="accent1">
+              <a:shade val="50000"/>
+            </a:schemeClr>
+          </a:lnRef>
+          <a:fillRef idx="1">
+            <a:schemeClr val="accent1"/>
+          </a:fillRef>
+          <a:effectRef idx="0">
+            <a:schemeClr val="accent1"/>
+          </a:effectRef>
+          <a:fontRef idx="minor">
+            <a:schemeClr val="lt1"/>
+          </a:fontRef>
+        </p:style>
+        <p:txBody>
+          <a:bodyPr anchor="ctr"/>
+          <a:lstStyle/>
+          <a:p>
+            <a:pPr algn="ctr">
+              <a:lnSpc>
+                <a:spcPct val="150000"/>
+              </a:lnSpc>
+              <a:defRPr/>
+            </a:pPr>
+            <a:r>
+              <a:rPr lang="ko-KR" altLang="en-US" sz="2000" b="1">
+                <a:solidFill>
+                  <a:schemeClr val="tx1"/>
+                </a:solidFill>
+              </a:rPr>
+              <a:t>로그인</a:t>
+            </a:r>
+            <a:endParaRPr lang="ko-KR" altLang="en-US" sz="2000" b="1">
+              <a:solidFill>
+                <a:schemeClr val="tx1"/>
+              </a:solidFill>
+            </a:endParaRPr>
+          </a:p>
+        </p:txBody>
+      </p:sp>
+      <p:pic>
+        <p:nvPicPr>
+          <p:cNvPr id="38" name=""/>
+          <p:cNvPicPr>
+            <a:picLocks noChangeAspect="1"/>
+          </p:cNvPicPr>
+          <p:nvPr/>
+        </p:nvPicPr>
+        <p:blipFill rotWithShape="1">
+          <a:blip r:embed="rId2"/>
+          <a:stretch>
+            <a:fillRect/>
+          </a:stretch>
+        </p:blipFill>
+        <p:spPr>
+          <a:xfrm>
+            <a:off x="179512" y="1816993"/>
+            <a:ext cx="4608512" cy="1323975"/>
+          </a:xfrm>
+          <a:prstGeom prst="rect">
+            <a:avLst/>
+          </a:prstGeom>
+        </p:spPr>
+      </p:pic>
+      <p:sp>
+        <p:nvSpPr>
+          <p:cNvPr id="39" name="직사각형 15"/>
+          <p:cNvSpPr/>
+          <p:nvPr/>
+        </p:nvSpPr>
+        <p:spPr>
+          <a:xfrm>
+            <a:off x="4932040" y="1844824"/>
+            <a:ext cx="4032448" cy="1296144"/>
+          </a:xfrm>
+          <a:prstGeom prst="rect">
+            <a:avLst/>
+          </a:prstGeom>
+          <a:solidFill>
+            <a:schemeClr val="bg1"/>
+          </a:solidFill>
+        </p:spPr>
+        <p:style>
+          <a:lnRef idx="2">
+            <a:schemeClr val="accent6"/>
+          </a:lnRef>
+          <a:fillRef idx="1">
+            <a:schemeClr val="lt1"/>
+          </a:fillRef>
+          <a:effectRef idx="0">
+            <a:schemeClr val="accent6"/>
+          </a:effectRef>
+          <a:fontRef idx="minor">
+            <a:schemeClr val="dk1"/>
+          </a:fontRef>
+        </p:style>
+        <p:txBody>
+          <a:bodyPr anchor="ctr"/>
+          <a:lstStyle/>
+          <a:p>
+            <a:pPr lvl="0" algn="ctr">
+              <a:defRPr/>
+            </a:pPr>
+            <a:r>
+              <a:rPr lang="ko-KR" altLang="en-US">
+                <a:solidFill>
+                  <a:schemeClr val="tx1"/>
+                </a:solidFill>
+              </a:rPr>
+              <a:t>로그인 성공시 </a:t>
+            </a:r>
+            <a:r>
+              <a:rPr lang="en-US" altLang="ko-KR">
+                <a:solidFill>
+                  <a:schemeClr val="tx1"/>
+                </a:solidFill>
+              </a:rPr>
+              <a:t>loggedIn </a:t>
+            </a:r>
+            <a:r>
+              <a:rPr lang="ko-KR" altLang="en-US">
+                <a:solidFill>
+                  <a:schemeClr val="tx1"/>
+                </a:solidFill>
+              </a:rPr>
+              <a:t>값</a:t>
+            </a:r>
+            <a:r>
+              <a:rPr lang="en-US" altLang="ko-KR">
+                <a:solidFill>
+                  <a:schemeClr val="tx1"/>
+                </a:solidFill>
+              </a:rPr>
+              <a:t> true</a:t>
+            </a:r>
+            <a:r>
+              <a:rPr lang="ko-KR" altLang="en-US">
+                <a:solidFill>
+                  <a:schemeClr val="tx1"/>
+                </a:solidFill>
+              </a:rPr>
+              <a:t> 입력</a:t>
+            </a:r>
+            <a:endParaRPr lang="ko-KR" altLang="en-US">
+              <a:solidFill>
+                <a:schemeClr val="tx1"/>
+              </a:solidFill>
+            </a:endParaRPr>
+          </a:p>
+          <a:p>
+            <a:pPr lvl="0" algn="ctr">
+              <a:defRPr/>
+            </a:pPr>
+            <a:r>
+              <a:rPr lang="en-US" altLang="ko-KR">
+                <a:solidFill>
+                  <a:schemeClr val="tx1"/>
+                </a:solidFill>
+              </a:rPr>
+              <a:t>(</a:t>
+            </a:r>
+            <a:r>
+              <a:rPr lang="ko-KR" altLang="en-US">
+                <a:solidFill>
+                  <a:schemeClr val="tx1"/>
+                </a:solidFill>
+              </a:rPr>
+              <a:t>기본값 </a:t>
+            </a:r>
+            <a:r>
+              <a:rPr lang="en-US" altLang="ko-KR">
+                <a:solidFill>
+                  <a:schemeClr val="tx1"/>
+                </a:solidFill>
+              </a:rPr>
+              <a:t>false)</a:t>
+            </a:r>
+            <a:r>
+              <a:rPr lang="ko-KR" altLang="en-US">
+                <a:solidFill>
+                  <a:schemeClr val="tx1"/>
+                </a:solidFill>
+              </a:rPr>
+              <a:t> </a:t>
+            </a:r>
+            <a:endParaRPr lang="ko-KR" altLang="en-US">
+              <a:solidFill>
+                <a:schemeClr val="tx1"/>
+              </a:solidFill>
+            </a:endParaRPr>
+          </a:p>
+        </p:txBody>
+      </p:sp>
+      <p:pic>
+        <p:nvPicPr>
+          <p:cNvPr id="40" name=""/>
+          <p:cNvPicPr>
+            <a:picLocks noChangeAspect="1"/>
+          </p:cNvPicPr>
+          <p:nvPr/>
+        </p:nvPicPr>
+        <p:blipFill rotWithShape="1">
+          <a:blip r:embed="rId3"/>
+          <a:stretch>
+            <a:fillRect/>
+          </a:stretch>
+        </p:blipFill>
+        <p:spPr>
+          <a:xfrm>
+            <a:off x="246906" y="4509120"/>
+            <a:ext cx="3965054" cy="974972"/>
+          </a:xfrm>
+          <a:prstGeom prst="rect">
+            <a:avLst/>
+          </a:prstGeom>
+        </p:spPr>
+      </p:pic>
+      <p:sp>
+        <p:nvSpPr>
+          <p:cNvPr id="41" name="직사각형 15"/>
+          <p:cNvSpPr/>
+          <p:nvPr/>
+        </p:nvSpPr>
+        <p:spPr>
+          <a:xfrm>
+            <a:off x="4860032" y="4365104"/>
+            <a:ext cx="4032448" cy="1152128"/>
+          </a:xfrm>
+          <a:prstGeom prst="rect">
+            <a:avLst/>
+          </a:prstGeom>
+          <a:solidFill>
+            <a:schemeClr val="bg1"/>
+          </a:solidFill>
+        </p:spPr>
+        <p:style>
+          <a:lnRef idx="2">
+            <a:schemeClr val="accent6"/>
+          </a:lnRef>
+          <a:fillRef idx="1">
+            <a:schemeClr val="lt1"/>
+          </a:fillRef>
+          <a:effectRef idx="0">
+            <a:schemeClr val="accent6"/>
+          </a:effectRef>
+          <a:fontRef idx="minor">
+            <a:schemeClr val="dk1"/>
+          </a:fontRef>
+        </p:style>
+        <p:txBody>
+          <a:bodyPr anchor="ctr"/>
+          <a:lstStyle/>
+          <a:p>
+            <a:pPr lvl="0" algn="ctr">
+              <a:defRPr/>
+            </a:pPr>
+            <a:r>
+              <a:rPr lang="en-US" altLang="ko-KR">
+                <a:solidFill>
+                  <a:schemeClr val="tx1"/>
+                </a:solidFill>
+              </a:rPr>
+              <a:t>loggedIn </a:t>
+            </a:r>
+            <a:r>
+              <a:rPr lang="ko-KR" altLang="en-US">
+                <a:solidFill>
+                  <a:schemeClr val="tx1"/>
+                </a:solidFill>
+              </a:rPr>
+              <a:t>값에 </a:t>
+            </a:r>
+            <a:r>
+              <a:rPr lang="en-US" altLang="ko-KR">
+                <a:solidFill>
+                  <a:schemeClr val="tx1"/>
+                </a:solidFill>
+              </a:rPr>
+              <a:t>true</a:t>
+            </a:r>
+            <a:r>
+              <a:rPr lang="ko-KR" altLang="en-US">
+                <a:solidFill>
+                  <a:schemeClr val="tx1"/>
+                </a:solidFill>
+              </a:rPr>
+              <a:t>가 입력되었으니</a:t>
+            </a:r>
+            <a:endParaRPr lang="ko-KR" altLang="en-US">
+              <a:solidFill>
+                <a:schemeClr val="tx1"/>
+              </a:solidFill>
+            </a:endParaRPr>
+          </a:p>
+          <a:p>
+            <a:pPr lvl="0" algn="ctr">
+              <a:defRPr/>
+            </a:pPr>
+            <a:r>
+              <a:rPr lang="en-US" altLang="ko-KR">
+                <a:solidFill>
+                  <a:schemeClr val="tx1"/>
+                </a:solidFill>
+              </a:rPr>
+              <a:t>if</a:t>
+            </a:r>
+            <a:r>
+              <a:rPr lang="ko-KR" altLang="en-US">
+                <a:solidFill>
+                  <a:schemeClr val="tx1"/>
+                </a:solidFill>
+              </a:rPr>
+              <a:t>문 실행</a:t>
+            </a:r>
+            <a:endParaRPr lang="ko-KR" altLang="en-US">
+              <a:solidFill>
+                <a:schemeClr val="tx1"/>
+              </a:solidFill>
+            </a:endParaRPr>
+          </a:p>
+          <a:p>
+            <a:pPr lvl="0" algn="ctr">
+              <a:defRPr/>
+            </a:pPr>
+            <a:r>
+              <a:rPr lang="en-US" altLang="ko-KR">
+                <a:solidFill>
+                  <a:schemeClr val="tx1"/>
+                </a:solidFill>
+              </a:rPr>
+              <a:t>‘/’</a:t>
+            </a:r>
+            <a:r>
+              <a:rPr lang="ko-KR" altLang="en-US">
+                <a:solidFill>
+                  <a:schemeClr val="tx1"/>
+                </a:solidFill>
+              </a:rPr>
+              <a:t> 경로로 이동</a:t>
+            </a:r>
+            <a:endParaRPr lang="ko-KR" altLang="en-US">
+              <a:solidFill>
+                <a:schemeClr val="tx1"/>
+              </a:solidFill>
+            </a:endParaRPr>
+          </a:p>
+        </p:txBody>
+      </p:sp>
+    </p:spTree>
+  </p:cSld>
+  <p:clrMapOvr>
+    <a:masterClrMapping/>
+  </p:clrMapOvr>
+  <mc:AlternateContent xmlns:mc="http://schemas.openxmlformats.org/markup-compatibility/2006">
+    <mc:Choice xmlns:p14="http://schemas.microsoft.com/office/powerpoint/2010/main" Requires="p14">
+      <p:transition xmlns:mc="http://schemas.openxmlformats.org/markup-compatibility/2006" xmlns:p14="http://schemas.microsoft.com/office/powerpoint/2010/main" mc:Ignorable="p14" p14:dur="500"/>
+    </mc:Choice>
+    <mc:Fallback>
+      <p:transition/>
+    </mc:Fallback>
+  </mc:AlternateContent>
+</p:sld>
+</file>
+
+<file path=ppt/slides/slide27.xml><?xml version="1.0" encoding="utf-8"?>
+<p:sld xmlns:r="http://schemas.openxmlformats.org/officeDocument/2006/relationships" xmlns:c="http://schemas.openxmlformats.org/drawingml/2006/chart" xmlns:a="http://schemas.openxmlformats.org/drawingml/2006/main" xmlns:dgm="http://schemas.openxmlformats.org/drawingml/2006/diagram" xmlns:dsp="http://schemas.microsoft.com/office/drawing/2008/diagram" xmlns:p="http://schemas.openxmlformats.org/presentationml/2006/main">
+  <p:cSld>
+    <p:spTree>
+      <p:nvGrpSpPr>
+        <p:cNvPr id="1" name=""/>
+        <p:cNvGrpSpPr/>
+        <p:nvPr/>
+      </p:nvGrpSpPr>
+      <p:grpSpPr>
+        <a:xfrm>
+          <a:off x="0" y="0"/>
+          <a:ext cx="0" cy="0"/>
+          <a:chOff x="0" y="0"/>
+          <a:chExt cx="0" cy="0"/>
+        </a:xfrm>
+      </p:grpSpPr>
+      <p:pic>
+        <p:nvPicPr>
+          <p:cNvPr id="46" name=""/>
+          <p:cNvPicPr>
+            <a:picLocks noChangeAspect="1"/>
+          </p:cNvPicPr>
+          <p:nvPr/>
+        </p:nvPicPr>
+        <p:blipFill rotWithShape="1">
+          <a:blip r:embed="rId2"/>
+          <a:stretch>
+            <a:fillRect/>
+          </a:stretch>
+        </p:blipFill>
+        <p:spPr>
+          <a:xfrm>
+            <a:off x="190871" y="4105993"/>
+            <a:ext cx="5029200" cy="2419350"/>
+          </a:xfrm>
+          <a:prstGeom prst="rect">
+            <a:avLst/>
+          </a:prstGeom>
+        </p:spPr>
+      </p:pic>
+      <p:pic>
+        <p:nvPicPr>
+          <p:cNvPr id="45" name=""/>
+          <p:cNvPicPr>
+            <a:picLocks noChangeAspect="1"/>
+          </p:cNvPicPr>
+          <p:nvPr/>
+        </p:nvPicPr>
+        <p:blipFill rotWithShape="1">
+          <a:blip r:embed="rId3"/>
+          <a:stretch>
+            <a:fillRect/>
+          </a:stretch>
+        </p:blipFill>
+        <p:spPr>
+          <a:xfrm>
+            <a:off x="251520" y="1556792"/>
+            <a:ext cx="4800600" cy="2419350"/>
+          </a:xfrm>
+          <a:prstGeom prst="rect">
+            <a:avLst/>
+          </a:prstGeom>
+        </p:spPr>
+      </p:pic>
+      <p:sp>
+        <p:nvSpPr>
+          <p:cNvPr id="4" name="직사각형 3"/>
+          <p:cNvSpPr/>
+          <p:nvPr/>
+        </p:nvSpPr>
+        <p:spPr>
+          <a:xfrm>
+            <a:off x="35496" y="44624"/>
+            <a:ext cx="3312368" cy="504056"/>
+          </a:xfrm>
+          <a:prstGeom prst="rect">
+            <a:avLst/>
+          </a:prstGeom>
+          <a:noFill/>
+        </p:spPr>
+        <p:style>
+          <a:lnRef idx="2">
+            <a:schemeClr val="accent1">
+              <a:shade val="50000"/>
+            </a:schemeClr>
+          </a:lnRef>
+          <a:fillRef idx="1">
+            <a:schemeClr val="accent1"/>
+          </a:fillRef>
+          <a:effectRef idx="0">
+            <a:schemeClr val="accent1"/>
+          </a:effectRef>
+          <a:fontRef idx="minor">
+            <a:schemeClr val="lt1"/>
+          </a:fontRef>
+        </p:style>
+        <p:txBody>
+          <a:bodyPr anchor="b"/>
+          <a:lstStyle/>
+          <a:p>
+            <a:pPr algn="ctr">
+              <a:lnSpc>
+                <a:spcPct val="150000"/>
+              </a:lnSpc>
+              <a:defRPr/>
+            </a:pPr>
+            <a:r>
+              <a:rPr lang="ko-KR" altLang="en-US" sz="2000" b="1">
+                <a:solidFill>
+                  <a:schemeClr val="tx1"/>
+                </a:solidFill>
+              </a:rPr>
+              <a:t>주요 소스 </a:t>
+            </a:r>
+            <a:r>
+              <a:rPr lang="en-US" altLang="ko-KR" sz="2000" b="1">
+                <a:solidFill>
+                  <a:schemeClr val="tx1"/>
+                </a:solidFill>
+              </a:rPr>
+              <a:t>[Code Review]</a:t>
+            </a:r>
+            <a:endParaRPr lang="ko-KR" altLang="en-US" sz="2000" b="1">
+              <a:solidFill>
+                <a:schemeClr val="tx1"/>
+              </a:solidFill>
+            </a:endParaRPr>
+          </a:p>
+        </p:txBody>
+      </p:sp>
+      <p:sp>
+        <p:nvSpPr>
+          <p:cNvPr id="5" name="직사각형 4"/>
+          <p:cNvSpPr/>
+          <p:nvPr/>
+        </p:nvSpPr>
+        <p:spPr>
+          <a:xfrm>
+            <a:off x="35496" y="620688"/>
+            <a:ext cx="3312368" cy="432048"/>
+          </a:xfrm>
+          <a:prstGeom prst="rect">
+            <a:avLst/>
+          </a:prstGeom>
+          <a:noFill/>
+        </p:spPr>
+        <p:style>
+          <a:lnRef idx="2">
+            <a:schemeClr val="accent1">
+              <a:shade val="50000"/>
+            </a:schemeClr>
+          </a:lnRef>
+          <a:fillRef idx="1">
+            <a:schemeClr val="accent1"/>
+          </a:fillRef>
+          <a:effectRef idx="0">
+            <a:schemeClr val="accent1"/>
+          </a:effectRef>
+          <a:fontRef idx="minor">
+            <a:schemeClr val="lt1"/>
+          </a:fontRef>
+        </p:style>
+        <p:txBody>
+          <a:bodyPr anchor="b"/>
+          <a:lstStyle/>
+          <a:p>
+            <a:pPr algn="ctr">
+              <a:lnSpc>
+                <a:spcPct val="150000"/>
+              </a:lnSpc>
+              <a:defRPr/>
+            </a:pPr>
+            <a:r>
+              <a:rPr lang="en-US" altLang="ko-KR" sz="2000" b="1">
+                <a:solidFill>
+                  <a:schemeClr val="tx1"/>
+                </a:solidFill>
+              </a:rPr>
+              <a:t>App.js</a:t>
+            </a:r>
+            <a:endParaRPr lang="en-US" altLang="ko-KR" sz="2000" b="1">
+              <a:solidFill>
+                <a:schemeClr val="tx1"/>
+              </a:solidFill>
+            </a:endParaRPr>
+          </a:p>
+        </p:txBody>
+      </p:sp>
+      <p:cxnSp>
+        <p:nvCxnSpPr>
+          <p:cNvPr id="7" name="직선 연결선 6"/>
+          <p:cNvCxnSpPr/>
+          <p:nvPr/>
+        </p:nvCxnSpPr>
+        <p:spPr>
+          <a:xfrm>
+            <a:off x="3491880" y="1052736"/>
+            <a:ext cx="5544616" cy="0"/>
+          </a:xfrm>
+          <a:prstGeom prst="line">
+            <a:avLst/>
+          </a:prstGeom>
+          <a:ln w="28575"/>
+        </p:spPr>
+        <p:style>
+          <a:lnRef idx="1">
+            <a:schemeClr val="accent1"/>
+          </a:lnRef>
+          <a:fillRef idx="0">
+            <a:schemeClr val="accent1"/>
+          </a:fillRef>
+          <a:effectRef idx="0">
+            <a:schemeClr val="accent1"/>
+          </a:effectRef>
+          <a:fontRef idx="minor">
+            <a:schemeClr val="tx1"/>
+          </a:fontRef>
+        </p:style>
+      </p:cxnSp>
+      <p:sp>
+        <p:nvSpPr>
+          <p:cNvPr id="8" name="TextBox 7"/>
+          <p:cNvSpPr txBox="1"/>
+          <p:nvPr/>
+        </p:nvSpPr>
+        <p:spPr>
+          <a:xfrm>
+            <a:off x="3491880" y="620688"/>
+            <a:ext cx="2314560" cy="358482"/>
+          </a:xfrm>
+          <a:prstGeom prst="rect">
+            <a:avLst/>
+          </a:prstGeom>
+          <a:noFill/>
+        </p:spPr>
+        <p:txBody>
+          <a:bodyPr wrap="none">
+            <a:spAutoFit/>
+          </a:bodyPr>
+          <a:lstStyle/>
+          <a:p>
+            <a:pPr lvl="0">
+              <a:defRPr/>
+            </a:pPr>
+            <a:r>
+              <a:rPr lang="en-US" altLang="ko-KR"/>
+              <a:t>react,</a:t>
+            </a:r>
+            <a:r>
+              <a:rPr lang="ko-KR" altLang="en-US"/>
+              <a:t> </a:t>
+            </a:r>
+            <a:r>
+              <a:rPr lang="en-US" altLang="ko-KR"/>
+              <a:t>node.js,</a:t>
+            </a:r>
+            <a:r>
+              <a:rPr lang="ko-KR" altLang="en-US"/>
+              <a:t> </a:t>
+            </a:r>
+            <a:r>
+              <a:rPr lang="en-US" altLang="ko-KR"/>
+              <a:t>oracle</a:t>
+            </a:r>
+            <a:endParaRPr lang="en-US" altLang="ko-KR"/>
+          </a:p>
+        </p:txBody>
+      </p:sp>
+      <p:cxnSp>
+        <p:nvCxnSpPr>
+          <p:cNvPr id="11" name="직선 연결선 10"/>
+          <p:cNvCxnSpPr/>
+          <p:nvPr/>
+        </p:nvCxnSpPr>
+        <p:spPr>
+          <a:xfrm>
+            <a:off x="35496" y="1205136"/>
+            <a:ext cx="9001000" cy="0"/>
+          </a:xfrm>
+          <a:prstGeom prst="line">
+            <a:avLst/>
+          </a:prstGeom>
+          <a:ln w="28575"/>
+        </p:spPr>
+        <p:style>
+          <a:lnRef idx="1">
+            <a:schemeClr val="accent1"/>
+          </a:lnRef>
+          <a:fillRef idx="0">
+            <a:schemeClr val="accent1"/>
+          </a:fillRef>
+          <a:effectRef idx="0">
+            <a:schemeClr val="accent1"/>
+          </a:effectRef>
+          <a:fontRef idx="minor">
+            <a:schemeClr val="tx1"/>
+          </a:fontRef>
+        </p:style>
+      </p:cxnSp>
+      <p:cxnSp>
+        <p:nvCxnSpPr>
+          <p:cNvPr id="14" name="직선 연결선 13"/>
+          <p:cNvCxnSpPr/>
+          <p:nvPr/>
+        </p:nvCxnSpPr>
+        <p:spPr>
+          <a:xfrm>
+            <a:off x="35496" y="6741368"/>
+            <a:ext cx="9001000" cy="0"/>
+          </a:xfrm>
+          <a:prstGeom prst="line">
+            <a:avLst/>
+          </a:prstGeom>
+          <a:ln w="28575"/>
+        </p:spPr>
+        <p:style>
+          <a:lnRef idx="1">
+            <a:schemeClr val="accent1"/>
+          </a:lnRef>
+          <a:fillRef idx="0">
+            <a:schemeClr val="accent1"/>
+          </a:fillRef>
+          <a:effectRef idx="0">
+            <a:schemeClr val="accent1"/>
+          </a:effectRef>
+          <a:fontRef idx="minor">
+            <a:schemeClr val="tx1"/>
+          </a:fontRef>
+        </p:style>
+      </p:cxnSp>
+      <p:cxnSp>
+        <p:nvCxnSpPr>
+          <p:cNvPr id="15" name="직선 연결선 14"/>
+          <p:cNvCxnSpPr/>
+          <p:nvPr/>
+        </p:nvCxnSpPr>
+        <p:spPr>
+          <a:xfrm>
+            <a:off x="35496" y="1196752"/>
+            <a:ext cx="0" cy="5544616"/>
+          </a:xfrm>
+          <a:prstGeom prst="line">
+            <a:avLst/>
+          </a:prstGeom>
+          <a:ln w="28575"/>
+        </p:spPr>
+        <p:style>
+          <a:lnRef idx="1">
+            <a:schemeClr val="accent1"/>
+          </a:lnRef>
+          <a:fillRef idx="0">
+            <a:schemeClr val="accent1"/>
+          </a:fillRef>
+          <a:effectRef idx="0">
+            <a:schemeClr val="accent1"/>
+          </a:effectRef>
+          <a:fontRef idx="minor">
+            <a:schemeClr val="tx1"/>
+          </a:fontRef>
+        </p:style>
+      </p:cxnSp>
+      <p:cxnSp>
+        <p:nvCxnSpPr>
+          <p:cNvPr id="19" name="직선 연결선 18"/>
+          <p:cNvCxnSpPr/>
+          <p:nvPr/>
+        </p:nvCxnSpPr>
+        <p:spPr>
+          <a:xfrm>
+            <a:off x="9036496" y="1205136"/>
+            <a:ext cx="0" cy="5544616"/>
+          </a:xfrm>
+          <a:prstGeom prst="line">
+            <a:avLst/>
+          </a:prstGeom>
+          <a:ln w="28575"/>
+        </p:spPr>
+        <p:style>
+          <a:lnRef idx="1">
+            <a:schemeClr val="accent1"/>
+          </a:lnRef>
+          <a:fillRef idx="0">
+            <a:schemeClr val="accent1"/>
+          </a:fillRef>
+          <a:effectRef idx="0">
+            <a:schemeClr val="accent1"/>
+          </a:effectRef>
+          <a:fontRef idx="minor">
+            <a:schemeClr val="tx1"/>
+          </a:fontRef>
+        </p:style>
+      </p:cxnSp>
+      <p:cxnSp>
+        <p:nvCxnSpPr>
+          <p:cNvPr id="21" name="직선 연결선 20"/>
+          <p:cNvCxnSpPr/>
+          <p:nvPr/>
+        </p:nvCxnSpPr>
+        <p:spPr>
+          <a:xfrm>
+            <a:off x="9036496" y="4869160"/>
+            <a:ext cx="0" cy="0"/>
+          </a:xfrm>
+          <a:prstGeom prst="line">
+            <a:avLst/>
+          </a:prstGeom>
+          <a:ln w="28575"/>
+        </p:spPr>
+        <p:style>
+          <a:lnRef idx="1">
+            <a:schemeClr val="accent1"/>
+          </a:lnRef>
+          <a:fillRef idx="0">
+            <a:schemeClr val="accent1"/>
+          </a:fillRef>
+          <a:effectRef idx="0">
+            <a:schemeClr val="accent1"/>
+          </a:effectRef>
+          <a:fontRef idx="minor">
+            <a:schemeClr val="tx1"/>
+          </a:fontRef>
+        </p:style>
+      </p:cxnSp>
+      <p:sp>
+        <p:nvSpPr>
+          <p:cNvPr id="31" name="직사각형 30"/>
+          <p:cNvSpPr/>
+          <p:nvPr/>
+        </p:nvSpPr>
+        <p:spPr>
+          <a:xfrm>
+            <a:off x="3563888" y="44624"/>
+            <a:ext cx="2808312" cy="504056"/>
+          </a:xfrm>
+          <a:prstGeom prst="rect">
+            <a:avLst/>
+          </a:prstGeom>
+          <a:noFill/>
+        </p:spPr>
+        <p:style>
+          <a:lnRef idx="2">
+            <a:schemeClr val="accent1">
+              <a:shade val="50000"/>
+            </a:schemeClr>
+          </a:lnRef>
+          <a:fillRef idx="1">
+            <a:schemeClr val="accent1"/>
+          </a:fillRef>
+          <a:effectRef idx="0">
+            <a:schemeClr val="accent1"/>
+          </a:effectRef>
+          <a:fontRef idx="minor">
+            <a:schemeClr val="lt1"/>
+          </a:fontRef>
+        </p:style>
+        <p:txBody>
+          <a:bodyPr anchor="ctr"/>
+          <a:lstStyle/>
+          <a:p>
+            <a:pPr algn="ctr">
+              <a:lnSpc>
+                <a:spcPct val="150000"/>
+              </a:lnSpc>
+              <a:defRPr/>
+            </a:pPr>
+            <a:r>
+              <a:rPr lang="ko-KR" altLang="en-US" sz="2000" b="1">
+                <a:solidFill>
+                  <a:schemeClr val="tx1"/>
+                </a:solidFill>
+              </a:rPr>
+              <a:t>로그인</a:t>
+            </a:r>
+            <a:endParaRPr lang="ko-KR" altLang="en-US" sz="2000" b="1">
+              <a:solidFill>
+                <a:schemeClr val="tx1"/>
+              </a:solidFill>
+            </a:endParaRPr>
+          </a:p>
+        </p:txBody>
+      </p:sp>
+      <p:sp>
+        <p:nvSpPr>
+          <p:cNvPr id="40" name=""/>
+          <p:cNvSpPr/>
+          <p:nvPr/>
+        </p:nvSpPr>
+        <p:spPr>
+          <a:xfrm>
+            <a:off x="683568" y="1772816"/>
+            <a:ext cx="648072" cy="144016"/>
+          </a:xfrm>
+          <a:prstGeom prst="flowChartProcess">
+            <a:avLst/>
+          </a:prstGeom>
+          <a:noFill/>
+          <a:ln>
+            <a:solidFill>
+              <a:schemeClr val="accent2"/>
+            </a:solidFill>
+          </a:ln>
+        </p:spPr>
+        <p:style>
+          <a:lnRef idx="2">
+            <a:schemeClr val="accent1">
+              <a:shade val="20000"/>
+            </a:schemeClr>
+          </a:lnRef>
+          <a:fillRef idx="1">
+            <a:schemeClr val="accent1"/>
+          </a:fillRef>
+          <a:effectRef idx="0">
+            <a:schemeClr val="accent1"/>
+          </a:effectRef>
+          <a:fontRef idx="minor">
+            <a:schemeClr val="lt1"/>
+          </a:fontRef>
+        </p:style>
+        <p:txBody>
+          <a:bodyPr anchor="ctr"/>
+          <a:p>
+            <a:pPr algn="ctr">
+              <a:defRPr/>
+            </a:pPr>
+            <a:endParaRPr lang="en-US" altLang="ko-KR"/>
+          </a:p>
+        </p:txBody>
+      </p:sp>
+      <p:sp>
+        <p:nvSpPr>
+          <p:cNvPr id="41" name=""/>
+          <p:cNvSpPr/>
+          <p:nvPr/>
+        </p:nvSpPr>
+        <p:spPr>
+          <a:xfrm>
+            <a:off x="2843808" y="4293096"/>
+            <a:ext cx="648072" cy="144016"/>
+          </a:xfrm>
+          <a:prstGeom prst="flowChartProcess">
+            <a:avLst/>
+          </a:prstGeom>
+          <a:noFill/>
+          <a:ln>
+            <a:solidFill>
+              <a:schemeClr val="accent2"/>
+            </a:solidFill>
+          </a:ln>
+        </p:spPr>
+        <p:style>
+          <a:lnRef idx="2">
+            <a:schemeClr val="accent1">
+              <a:shade val="20000"/>
+            </a:schemeClr>
+          </a:lnRef>
+          <a:fillRef idx="1">
+            <a:schemeClr val="accent1"/>
+          </a:fillRef>
+          <a:effectRef idx="0">
+            <a:schemeClr val="accent1"/>
+          </a:effectRef>
+          <a:fontRef idx="minor">
+            <a:schemeClr val="lt1"/>
+          </a:fontRef>
+        </p:style>
+        <p:txBody>
+          <a:bodyPr anchor="ctr"/>
+          <a:lstStyle/>
+          <a:p>
+            <a:pPr algn="ctr">
+              <a:defRPr/>
+            </a:pPr>
+            <a:endParaRPr lang="en-US" altLang="ko-KR"/>
+          </a:p>
+        </p:txBody>
+      </p:sp>
+      <p:cxnSp>
+        <p:nvCxnSpPr>
+          <p:cNvPr id="43" name=""/>
+          <p:cNvCxnSpPr>
+            <a:stCxn id="40" idx="2"/>
+            <a:endCxn id="41" idx="0"/>
+          </p:cNvCxnSpPr>
+          <p:nvPr/>
+        </p:nvCxnSpPr>
+        <p:spPr>
+          <a:xfrm rot="16200000" flipH="1">
+            <a:off x="899592" y="2024844"/>
+            <a:ext cx="2376264" cy="2160240"/>
+          </a:xfrm>
+          <a:prstGeom prst="straightConnector1">
+            <a:avLst/>
+          </a:prstGeom>
+          <a:ln w="19050">
+            <a:solidFill>
+              <a:schemeClr val="accent2"/>
+            </a:solidFill>
+            <a:tailEnd type="arrow"/>
+          </a:ln>
+        </p:spPr>
+        <p:style>
+          <a:lnRef idx="1">
+            <a:schemeClr val="accent1"/>
+          </a:lnRef>
+          <a:fillRef idx="0">
+            <a:schemeClr val="accent1"/>
+          </a:fillRef>
+          <a:effectRef idx="0">
+            <a:schemeClr val="accent1"/>
+          </a:effectRef>
+          <a:fontRef idx="minor">
+            <a:schemeClr val="tx1"/>
+          </a:fontRef>
+        </p:style>
+      </p:cxnSp>
+      <p:sp>
+        <p:nvSpPr>
+          <p:cNvPr id="44" name="직사각형 15"/>
+          <p:cNvSpPr/>
+          <p:nvPr/>
+        </p:nvSpPr>
+        <p:spPr>
+          <a:xfrm>
+            <a:off x="4788024" y="3429000"/>
+            <a:ext cx="4032448" cy="1296144"/>
+          </a:xfrm>
+          <a:prstGeom prst="rect">
+            <a:avLst/>
+          </a:prstGeom>
+          <a:solidFill>
+            <a:schemeClr val="bg1"/>
+          </a:solidFill>
+        </p:spPr>
+        <p:style>
+          <a:lnRef idx="2">
+            <a:schemeClr val="accent6"/>
+          </a:lnRef>
+          <a:fillRef idx="1">
+            <a:schemeClr val="lt1"/>
+          </a:fillRef>
+          <a:effectRef idx="0">
+            <a:schemeClr val="accent6"/>
+          </a:effectRef>
+          <a:fontRef idx="minor">
+            <a:schemeClr val="dk1"/>
+          </a:fontRef>
+        </p:style>
+        <p:txBody>
+          <a:bodyPr anchor="ctr"/>
+          <a:lstStyle/>
+          <a:p>
+            <a:pPr lvl="0" algn="ctr">
+              <a:defRPr/>
+            </a:pPr>
+            <a:r>
+              <a:rPr lang="en-US" altLang="ko-KR">
+                <a:solidFill>
+                  <a:schemeClr val="tx1"/>
+                </a:solidFill>
+              </a:rPr>
+              <a:t>App.js</a:t>
+            </a:r>
+            <a:r>
+              <a:rPr lang="ko-KR" altLang="en-US">
+                <a:solidFill>
+                  <a:schemeClr val="tx1"/>
+                </a:solidFill>
+              </a:rPr>
+              <a:t> 는 보여질 페이지들의</a:t>
+            </a:r>
+            <a:endParaRPr lang="ko-KR" altLang="en-US">
+              <a:solidFill>
+                <a:schemeClr val="tx1"/>
+              </a:solidFill>
+            </a:endParaRPr>
+          </a:p>
+          <a:p>
+            <a:pPr lvl="0" algn="ctr">
+              <a:defRPr/>
+            </a:pPr>
+            <a:r>
+              <a:rPr lang="ko-KR" altLang="en-US">
+                <a:solidFill>
+                  <a:schemeClr val="tx1"/>
+                </a:solidFill>
+              </a:rPr>
+              <a:t>경로를 지정해놓았으며</a:t>
+            </a:r>
+            <a:endParaRPr lang="ko-KR" altLang="en-US">
+              <a:solidFill>
+                <a:schemeClr val="tx1"/>
+              </a:solidFill>
+            </a:endParaRPr>
+          </a:p>
+          <a:p>
+            <a:pPr lvl="0" algn="ctr">
+              <a:defRPr/>
+            </a:pPr>
+            <a:r>
+              <a:rPr lang="ko-KR" altLang="en-US">
+                <a:solidFill>
+                  <a:schemeClr val="tx1"/>
+                </a:solidFill>
+              </a:rPr>
+              <a:t>로그인 성공 시 </a:t>
+            </a:r>
+            <a:r>
+              <a:rPr lang="en-US" altLang="ko-KR">
+                <a:solidFill>
+                  <a:schemeClr val="tx1"/>
+                </a:solidFill>
+              </a:rPr>
+              <a:t>Board</a:t>
+            </a:r>
+            <a:r>
+              <a:rPr lang="ko-KR" altLang="en-US">
+                <a:solidFill>
+                  <a:schemeClr val="tx1"/>
+                </a:solidFill>
+              </a:rPr>
+              <a:t>로 이동</a:t>
+            </a:r>
+            <a:endParaRPr lang="ko-KR" altLang="en-US">
+              <a:solidFill>
+                <a:schemeClr val="tx1"/>
+              </a:solidFill>
+            </a:endParaRPr>
+          </a:p>
+        </p:txBody>
+      </p:sp>
+    </p:spTree>
+  </p:cSld>
+  <p:clrMapOvr>
+    <a:masterClrMapping/>
+  </p:clrMapOvr>
+  <mc:AlternateContent xmlns:mc="http://schemas.openxmlformats.org/markup-compatibility/2006">
+    <mc:Choice xmlns:p14="http://schemas.microsoft.com/office/powerpoint/2010/main" Requires="p14">
+      <p:transition xmlns:mc="http://schemas.openxmlformats.org/markup-compatibility/2006" xmlns:p14="http://schemas.microsoft.com/office/powerpoint/2010/main" mc:Ignorable="p14" p14:dur="500"/>
+    </mc:Choice>
+    <mc:Fallback>
+      <p:transition/>
+    </mc:Fallback>
+  </mc:AlternateContent>
+</p:sld>
+</file>
+
 <file path=ppt/slides/slide3.xml><?xml version="1.0" encoding="utf-8"?>
 <p:sld xmlns:a="http://schemas.openxmlformats.org/drawingml/2006/main" xmlns:r="http://schemas.openxmlformats.org/officeDocument/2006/relationships" xmlns:p="http://schemas.openxmlformats.org/presentationml/2006/main">
   <p:cSld>
@@ -16480,41 +20279,41 @@
 </file>
 
 <file path=ppt/theme/theme1.xml><?xml version="1.0" encoding="utf-8"?>
-<a:theme xmlns:a="http://schemas.openxmlformats.org/drawingml/2006/main" name="Office 테마">
+<a:theme xmlns:r="http://schemas.openxmlformats.org/officeDocument/2006/relationships" xmlns:c="http://schemas.openxmlformats.org/drawingml/2006/chart" xmlns:dgm="http://schemas.openxmlformats.org/drawingml/2006/diagram" xmlns:dsp="http://schemas.microsoft.com/office/drawing/2008/diagram" xmlns:a="http://schemas.openxmlformats.org/drawingml/2006/main" xmlns:pic="http://schemas.openxmlformats.org/drawingml/2006/picture" xmlns:wp="http://schemas.openxmlformats.org/drawingml/2006/wordprocessingDrawing" xmlns:xdr="http://schemas.openxmlformats.org/drawingml/2006/spreadsheetDrawing" xmlns:p="http://schemas.openxmlformats.org/presentationml/2006/main" name="Office 테마">
   <a:themeElements>
     <a:clrScheme name="Office">
       <a:dk1>
         <a:sysClr val="windowText" lastClr="000000"/>
       </a:dk1>
       <a:lt1>
-        <a:sysClr val="window" lastClr="FFFFFF"/>
+        <a:sysClr val="window" lastClr="ffffff"/>
       </a:lt1>
       <a:dk2>
-        <a:srgbClr val="1F497D"/>
+        <a:srgbClr val="1f497d"/>
       </a:dk2>
       <a:lt2>
-        <a:srgbClr val="EEECE1"/>
+        <a:srgbClr val="eeece1"/>
       </a:lt2>
       <a:accent1>
-        <a:srgbClr val="4F81BD"/>
+        <a:srgbClr val="4f81bd"/>
       </a:accent1>
       <a:accent2>
-        <a:srgbClr val="C0504D"/>
+        <a:srgbClr val="c0504d"/>
       </a:accent2>
       <a:accent3>
-        <a:srgbClr val="9BBB59"/>
+        <a:srgbClr val="9bbb59"/>
       </a:accent3>
       <a:accent4>
-        <a:srgbClr val="8064A2"/>
+        <a:srgbClr val="8064a2"/>
       </a:accent4>
       <a:accent5>
-        <a:srgbClr val="4BACC6"/>
+        <a:srgbClr val="4bacc6"/>
       </a:accent5>
       <a:accent6>
-        <a:srgbClr val="F79646"/>
+        <a:srgbClr val="f79646"/>
       </a:accent6>
       <a:hlink>
-        <a:srgbClr val="0000FF"/>
+        <a:srgbClr val="0000ff"/>
       </a:hlink>
       <a:folHlink>
         <a:srgbClr val="800080"/>
@@ -16525,9 +20324,9 @@
         <a:latin typeface="맑은 고딕"/>
         <a:ea typeface=""/>
         <a:cs typeface=""/>
-        <a:font script="Jpan" typeface="ＭＳ Ｐゴシック"/>
+        <a:font script="Jpan" typeface="MS PGothic"/>
         <a:font script="Hang" typeface="맑은 고딕"/>
-        <a:font script="Hans" typeface="宋体"/>
+        <a:font script="Hans" typeface="SimSun"/>
         <a:font script="Hant" typeface="新細明體"/>
         <a:font script="Arab" typeface="Times New Roman"/>
         <a:font script="Hebr" typeface="Times New Roman"/>
@@ -16560,9 +20359,9 @@
         <a:latin typeface="맑은 고딕"/>
         <a:ea typeface=""/>
         <a:cs typeface=""/>
-        <a:font script="Jpan" typeface="ＭＳ Ｐゴシック"/>
+        <a:font script="Jpan" typeface="MS PGothic"/>
         <a:font script="Hang" typeface="맑은 고딕"/>
-        <a:font script="Hans" typeface="宋体"/>
+        <a:font script="Hans" typeface="SimSun"/>
         <a:font script="Hant" typeface="新細明體"/>
         <a:font script="Arab" typeface="Arial"/>
         <a:font script="Hebr" typeface="Arial"/>
@@ -16759,7 +20558,212 @@
       </a:bgFillStyleLst>
     </a:fmtScheme>
   </a:themeElements>
-  <a:objectDefaults/>
-  <a:extraClrSchemeLst/>
+</a:theme>
+</file>
+
+<file path=ppt/theme/theme2.xml><?xml version="1.0" encoding="utf-8"?>
+<a:theme xmlns:r="http://schemas.openxmlformats.org/officeDocument/2006/relationships" xmlns:c="http://schemas.openxmlformats.org/drawingml/2006/chart" xmlns:dgm="http://schemas.openxmlformats.org/drawingml/2006/diagram" xmlns:dsp="http://schemas.microsoft.com/office/drawing/2008/diagram" xmlns:a="http://schemas.openxmlformats.org/drawingml/2006/main" xmlns:pic="http://schemas.openxmlformats.org/drawingml/2006/picture" xmlns:wp="http://schemas.openxmlformats.org/drawingml/2006/wordprocessingDrawing" xmlns:xdr="http://schemas.openxmlformats.org/drawingml/2006/spreadsheetDrawing" xmlns:p="http://schemas.openxmlformats.org/presentationml/2006/main" name="한컴오피스">
+  <a:themeElements>
+    <a:clrScheme name="한컴오피스">
+      <a:dk1>
+        <a:sysClr val="windowText" lastClr="000000"/>
+      </a:dk1>
+      <a:lt1>
+        <a:sysClr val="window" lastClr="ffffff"/>
+      </a:lt1>
+      <a:dk2>
+        <a:srgbClr val="1c3d62"/>
+      </a:dk2>
+      <a:lt2>
+        <a:srgbClr val="e3dcc1"/>
+      </a:lt2>
+      <a:accent1>
+        <a:srgbClr val="315f97"/>
+      </a:accent1>
+      <a:accent2>
+        <a:srgbClr val="c75252"/>
+      </a:accent2>
+      <a:accent3>
+        <a:srgbClr val="e9ae2b"/>
+      </a:accent3>
+      <a:accent4>
+        <a:srgbClr val="699b37"/>
+      </a:accent4>
+      <a:accent5>
+        <a:srgbClr val="358791"/>
+      </a:accent5>
+      <a:accent6>
+        <a:srgbClr val="ca56a7"/>
+      </a:accent6>
+      <a:hlink>
+        <a:srgbClr val="0000ff"/>
+      </a:hlink>
+      <a:folHlink>
+        <a:srgbClr val="800080"/>
+      </a:folHlink>
+    </a:clrScheme>
+    <a:fontScheme name="한컴오피스">
+      <a:majorFont>
+        <a:latin typeface="함초롬돋움"/>
+        <a:ea typeface="함초롬돋움"/>
+        <a:cs typeface="Times New Roman"/>
+      </a:majorFont>
+      <a:minorFont>
+        <a:latin typeface="함초롬돋움"/>
+        <a:ea typeface="함초롬돋움"/>
+        <a:cs typeface="Times New Roman"/>
+      </a:minorFont>
+    </a:fontScheme>
+    <a:fmtScheme name="한컴오피스">
+      <a:fillStyleLst>
+        <a:solidFill>
+          <a:schemeClr val="phClr"/>
+        </a:solidFill>
+        <a:gradFill rotWithShape="1">
+          <a:gsLst>
+            <a:gs pos="0">
+              <a:schemeClr val="phClr">
+                <a:tint val="50000"/>
+                <a:satMod val="300000"/>
+              </a:schemeClr>
+            </a:gs>
+            <a:gs pos="35000">
+              <a:schemeClr val="phClr">
+                <a:tint val="37000"/>
+                <a:satMod val="300000"/>
+              </a:schemeClr>
+            </a:gs>
+            <a:gs pos="100000">
+              <a:schemeClr val="phClr">
+                <a:tint val="15000"/>
+                <a:satMod val="350000"/>
+              </a:schemeClr>
+            </a:gs>
+          </a:gsLst>
+          <a:lin ang="16200000" scaled="1"/>
+        </a:gradFill>
+        <a:gradFill rotWithShape="1">
+          <a:gsLst>
+            <a:gs pos="0">
+              <a:schemeClr val="phClr">
+                <a:shade val="51000"/>
+                <a:satMod val="130000"/>
+              </a:schemeClr>
+            </a:gs>
+            <a:gs pos="80000">
+              <a:schemeClr val="phClr">
+                <a:shade val="93000"/>
+                <a:satMod val="130000"/>
+              </a:schemeClr>
+            </a:gs>
+            <a:gs pos="100000">
+              <a:schemeClr val="phClr">
+                <a:shade val="94000"/>
+                <a:satMod val="135000"/>
+              </a:schemeClr>
+            </a:gs>
+          </a:gsLst>
+          <a:lin ang="16200000" scaled="0"/>
+        </a:gradFill>
+      </a:fillStyleLst>
+      <a:lnStyleLst>
+        <a:ln w="12700" cap="flat" cmpd="sng" algn="ctr">
+          <a:solidFill>
+            <a:schemeClr val="phClr">
+              <a:satMod val="105000"/>
+            </a:schemeClr>
+          </a:solidFill>
+          <a:prstDash val="solid"/>
+        </a:ln>
+        <a:ln w="19050" cap="flat" cmpd="sng" algn="ctr">
+          <a:solidFill>
+            <a:schemeClr val="phClr"/>
+          </a:solidFill>
+          <a:prstDash val="solid"/>
+        </a:ln>
+        <a:ln w="38100" cap="flat" cmpd="sng" algn="ctr">
+          <a:solidFill>
+            <a:schemeClr val="phClr"/>
+          </a:solidFill>
+          <a:prstDash val="solid"/>
+        </a:ln>
+      </a:lnStyleLst>
+      <a:effectStyleLst>
+        <a:effectStyle>
+          <a:effectLst>
+            <a:outerShdw blurRad="38100" dist="25400" dir="5400000" rotWithShape="0">
+              <a:srgbClr val="000000">
+                <a:alpha val="75000"/>
+              </a:srgbClr>
+            </a:outerShdw>
+          </a:effectLst>
+        </a:effectStyle>
+        <a:effectStyle>
+          <a:effectLst>
+            <a:outerShdw blurRad="38100" dist="25400" dir="5400000" rotWithShape="0">
+              <a:srgbClr val="000000">
+                <a:alpha val="75000"/>
+              </a:srgbClr>
+            </a:outerShdw>
+          </a:effectLst>
+        </a:effectStyle>
+        <a:effectStyle>
+          <a:effectLst>
+            <a:reflection blurRad="12700" stA="26000" endPos="28000" dist="38100" dir="5400000" sy="-100000" rotWithShape="0"/>
+          </a:effectLst>
+        </a:effectStyle>
+      </a:effectStyleLst>
+      <a:bgFillStyleLst>
+        <a:solidFill>
+          <a:schemeClr val="phClr"/>
+        </a:solidFill>
+        <a:gradFill rotWithShape="1">
+          <a:gsLst>
+            <a:gs pos="0">
+              <a:schemeClr val="phClr">
+                <a:tint val="40000"/>
+                <a:satMod val="350000"/>
+              </a:schemeClr>
+            </a:gs>
+            <a:gs pos="40000">
+              <a:schemeClr val="phClr">
+                <a:tint val="45000"/>
+                <a:shade val="99000"/>
+                <a:satMod val="350000"/>
+              </a:schemeClr>
+            </a:gs>
+            <a:gs pos="100000">
+              <a:schemeClr val="phClr">
+                <a:shade val="20000"/>
+                <a:satMod val="255000"/>
+              </a:schemeClr>
+            </a:gs>
+          </a:gsLst>
+          <a:path path="circle">
+            <a:fillToRect l="50000" t="-80000" r="50000" b="180000"/>
+          </a:path>
+        </a:gradFill>
+        <a:gradFill rotWithShape="1">
+          <a:gsLst>
+            <a:gs pos="0">
+              <a:schemeClr val="phClr">
+                <a:tint val="80000"/>
+                <a:satMod val="300000"/>
+              </a:schemeClr>
+            </a:gs>
+            <a:gs pos="100000">
+              <a:schemeClr val="phClr">
+                <a:shade val="30000"/>
+                <a:satMod val="200000"/>
+              </a:schemeClr>
+            </a:gs>
+          </a:gsLst>
+          <a:path path="circle">
+            <a:fillToRect l="50000" t="50000" r="50000" b="50000"/>
+          </a:path>
+        </a:gradFill>
+      </a:bgFillStyleLst>
+    </a:fmtScheme>
+  </a:themeElements>
 </a:theme>
 </file>